--- a/presentation.pptx
+++ b/presentation.pptx
@@ -9,10 +9,10 @@
     <p:sldId id="261" r:id="rId3"/>
     <p:sldId id="260" r:id="rId4"/>
     <p:sldId id="263" r:id="rId5"/>
-    <p:sldId id="257" r:id="rId6"/>
-    <p:sldId id="258" r:id="rId7"/>
-    <p:sldId id="262" r:id="rId8"/>
-    <p:sldId id="264" r:id="rId9"/>
+    <p:sldId id="258" r:id="rId6"/>
+    <p:sldId id="262" r:id="rId7"/>
+    <p:sldId id="264" r:id="rId8"/>
+    <p:sldId id="257" r:id="rId9"/>
   </p:sldIdLst>
   <p:sldSz cx="12192000" cy="6858000"/>
   <p:notesSz cx="6858000" cy="9144000"/>
@@ -111,6 +111,11 @@
       </a:defRPr>
     </a:lvl9pPr>
   </p:defaultTextStyle>
+  <p:extLst>
+    <p:ext uri="{EFAFB233-063F-42B5-8137-9DF3F51BA10A}">
+      <p15:sldGuideLst xmlns:p15="http://schemas.microsoft.com/office/powerpoint/2012/main"/>
+    </p:ext>
+  </p:extLst>
 </p:presentation>
 </file>
 
@@ -12122,13 +12127,30 @@
         </p:nvSpPr>
         <p:spPr/>
         <p:txBody>
-          <a:bodyPr/>
+          <a:bodyPr>
+            <a:normAutofit fontScale="92500" lnSpcReduction="20000"/>
+          </a:bodyPr>
           <a:lstStyle/>
           <a:p>
             <a:r>
               <a:rPr lang="en-US" dirty="0"/>
               <a:t>Predicting future housing price using the correlations between crime rate and housing price.</a:t>
             </a:r>
+          </a:p>
+          <a:p>
+            <a:endParaRPr lang="en-US" dirty="0"/>
+          </a:p>
+          <a:p>
+            <a:r>
+              <a:rPr lang="en-CA" dirty="0"/>
+              <a:t>https://github.com/jubileepower/SaveNeighbourhood</a:t>
+            </a:r>
+            <a:endParaRPr lang="en-US" dirty="0"/>
+          </a:p>
+          <a:p>
+            <a:endParaRPr lang="en-US" dirty="0"/>
+          </a:p>
+          <a:p>
             <a:endParaRPr lang="en-CA" dirty="0"/>
           </a:p>
         </p:txBody>
@@ -12170,7 +12192,7 @@
                 <a:latin typeface="Aharoni" panose="020B0604020202020204" pitchFamily="2" charset="-79"/>
                 <a:cs typeface="Aharoni" panose="020B0604020202020204" pitchFamily="2" charset="-79"/>
               </a:rPr>
-              <a:t>Save Neighborhood </a:t>
+              <a:t>Save Neighbourhood </a:t>
             </a:r>
           </a:p>
           <a:p>
@@ -12183,7 +12205,7 @@
                 <a:latin typeface="Aharoni" panose="020B0604020202020204" pitchFamily="2" charset="-79"/>
                 <a:cs typeface="Aharoni" panose="020B0604020202020204" pitchFamily="2" charset="-79"/>
               </a:rPr>
-              <a:t>By making the neighborhood safe!</a:t>
+              <a:t>By making the neighbourhood safe!</a:t>
             </a:r>
           </a:p>
         </p:txBody>
@@ -13115,302 +13137,6 @@
     <p:bg>
       <p:bgPr>
         <a:solidFill>
-          <a:schemeClr val="bg1"/>
-        </a:solidFill>
-        <a:effectLst/>
-      </p:bgPr>
-    </p:bg>
-    <p:spTree>
-      <p:nvGrpSpPr>
-        <p:cNvPr id="1" name=""/>
-        <p:cNvGrpSpPr/>
-        <p:nvPr/>
-      </p:nvGrpSpPr>
-      <p:grpSpPr>
-        <a:xfrm>
-          <a:off x="0" y="0"/>
-          <a:ext cx="0" cy="0"/>
-          <a:chOff x="0" y="0"/>
-          <a:chExt cx="0" cy="0"/>
-        </a:xfrm>
-      </p:grpSpPr>
-      <p:sp>
-        <p:nvSpPr>
-          <p:cNvPr id="71" name="Rectangle 70">
-            <a:extLst>
-              <a:ext uri="{FF2B5EF4-FFF2-40B4-BE49-F238E27FC236}">
-                <a16:creationId xmlns:a16="http://schemas.microsoft.com/office/drawing/2014/main" id="{D6EA1A26-163F-4F15-91F4-F2C51AC9C106}"/>
-              </a:ext>
-              <a:ext uri="{C183D7F6-B498-43B3-948B-1728B52AA6E4}">
-                <adec:decorative xmlns:adec="http://schemas.microsoft.com/office/drawing/2017/decorative" val="1"/>
-              </a:ext>
-            </a:extLst>
-          </p:cNvPr>
-          <p:cNvSpPr>
-            <a:spLocks noGrp="1" noRot="1" noChangeAspect="1" noMove="1" noResize="1" noEditPoints="1" noAdjustHandles="1" noChangeArrowheads="1" noChangeShapeType="1" noTextEdit="1"/>
-          </p:cNvSpPr>
-          <p:nvPr>
-            <p:extLst>
-              <p:ext uri="{386F3935-93C4-4BCD-93E2-E3B085C9AB24}">
-                <p16:designElem xmlns:p16="http://schemas.microsoft.com/office/powerpoint/2015/main" val="1"/>
-              </p:ext>
-            </p:extLst>
-          </p:nvPr>
-        </p:nvSpPr>
-        <p:spPr>
-          <a:xfrm>
-            <a:off x="7555992" y="0"/>
-            <a:ext cx="4636008" cy="6858000"/>
-          </a:xfrm>
-          <a:prstGeom prst="rect">
-            <a:avLst/>
-          </a:prstGeom>
-          <a:solidFill>
-            <a:schemeClr val="accent1"/>
-          </a:solidFill>
-          <a:ln>
-            <a:noFill/>
-          </a:ln>
-        </p:spPr>
-        <p:style>
-          <a:lnRef idx="2">
-            <a:schemeClr val="accent1">
-              <a:shade val="50000"/>
-            </a:schemeClr>
-          </a:lnRef>
-          <a:fillRef idx="1">
-            <a:schemeClr val="accent1"/>
-          </a:fillRef>
-          <a:effectRef idx="0">
-            <a:schemeClr val="accent1"/>
-          </a:effectRef>
-          <a:fontRef idx="minor">
-            <a:schemeClr val="lt1"/>
-          </a:fontRef>
-        </p:style>
-        <p:txBody>
-          <a:bodyPr rtlCol="0" anchor="ctr"/>
-          <a:lstStyle/>
-          <a:p>
-            <a:pPr algn="ctr"/>
-            <a:endParaRPr lang="en-US"/>
-          </a:p>
-        </p:txBody>
-      </p:sp>
-      <p:sp>
-        <p:nvSpPr>
-          <p:cNvPr id="2" name="Title 1">
-            <a:extLst>
-              <a:ext uri="{FF2B5EF4-FFF2-40B4-BE49-F238E27FC236}">
-                <a16:creationId xmlns:a16="http://schemas.microsoft.com/office/drawing/2014/main" id="{AD5E1688-1DCC-4C67-BEA4-2F620A96DDA8}"/>
-              </a:ext>
-            </a:extLst>
-          </p:cNvPr>
-          <p:cNvSpPr>
-            <a:spLocks noGrp="1"/>
-          </p:cNvSpPr>
-          <p:nvPr>
-            <p:ph type="title"/>
-          </p:nvPr>
-        </p:nvSpPr>
-        <p:spPr>
-          <a:xfrm>
-            <a:off x="8173212" y="499533"/>
-            <a:ext cx="3401568" cy="1920240"/>
-          </a:xfrm>
-        </p:spPr>
-        <p:txBody>
-          <a:bodyPr anchor="b">
-            <a:normAutofit/>
-          </a:bodyPr>
-          <a:lstStyle/>
-          <a:p>
-            <a:r>
-              <a:rPr lang="en-US" sz="4000" dirty="0">
-                <a:solidFill>
-                  <a:srgbClr val="FFFFFF"/>
-                </a:solidFill>
-              </a:rPr>
-              <a:t>How to predict housing price?</a:t>
-            </a:r>
-            <a:endParaRPr lang="en-CA" sz="4000" dirty="0">
-              <a:solidFill>
-                <a:srgbClr val="FFFFFF"/>
-              </a:solidFill>
-            </a:endParaRPr>
-          </a:p>
-        </p:txBody>
-      </p:sp>
-      <p:pic>
-        <p:nvPicPr>
-          <p:cNvPr id="1026" name="Picture 2" descr="A close up of text on a white background&#10;&#10;Description automatically generated">
-            <a:extLst>
-              <a:ext uri="{FF2B5EF4-FFF2-40B4-BE49-F238E27FC236}">
-                <a16:creationId xmlns:a16="http://schemas.microsoft.com/office/drawing/2014/main" id="{8106A12B-7312-4344-BB64-B117EF841312}"/>
-              </a:ext>
-            </a:extLst>
-          </p:cNvPr>
-          <p:cNvPicPr>
-            <a:picLocks noChangeAspect="1" noChangeArrowheads="1"/>
-          </p:cNvPicPr>
-          <p:nvPr/>
-        </p:nvPicPr>
-        <p:blipFill rotWithShape="1">
-          <a:blip r:embed="rId2">
-            <a:extLst>
-              <a:ext uri="{28A0092B-C50C-407E-A947-70E740481C1C}">
-                <a14:useLocalDpi xmlns:a14="http://schemas.microsoft.com/office/drawing/2010/main" val="0"/>
-              </a:ext>
-            </a:extLst>
-          </a:blip>
-          <a:srcRect t="10997" r="-2" b="-2"/>
-          <a:stretch/>
-        </p:blipFill>
-        <p:spPr bwMode="auto">
-          <a:xfrm>
-            <a:off x="617220" y="634949"/>
-            <a:ext cx="6278529" cy="5588101"/>
-          </a:xfrm>
-          <a:prstGeom prst="rect">
-            <a:avLst/>
-          </a:prstGeom>
-          <a:noFill/>
-          <a:extLst>
-            <a:ext uri="{909E8E84-426E-40DD-AFC4-6F175D3DCCD1}">
-              <a14:hiddenFill xmlns:a14="http://schemas.microsoft.com/office/drawing/2010/main">
-                <a:solidFill>
-                  <a:srgbClr val="FFFFFF"/>
-                </a:solidFill>
-              </a14:hiddenFill>
-            </a:ext>
-          </a:extLst>
-        </p:spPr>
-      </p:pic>
-      <p:sp>
-        <p:nvSpPr>
-          <p:cNvPr id="3" name="Content Placeholder 2">
-            <a:extLst>
-              <a:ext uri="{FF2B5EF4-FFF2-40B4-BE49-F238E27FC236}">
-                <a16:creationId xmlns:a16="http://schemas.microsoft.com/office/drawing/2014/main" id="{100F1F3D-F181-4FE1-AB55-BC4BBE36FC2D}"/>
-              </a:ext>
-            </a:extLst>
-          </p:cNvPr>
-          <p:cNvSpPr>
-            <a:spLocks noGrp="1"/>
-          </p:cNvSpPr>
-          <p:nvPr>
-            <p:ph idx="1"/>
-          </p:nvPr>
-        </p:nvSpPr>
-        <p:spPr>
-          <a:xfrm>
-            <a:off x="8173212" y="2419773"/>
-            <a:ext cx="3401568" cy="3358092"/>
-          </a:xfrm>
-        </p:spPr>
-        <p:txBody>
-          <a:bodyPr>
-            <a:normAutofit/>
-          </a:bodyPr>
-          <a:lstStyle/>
-          <a:p>
-            <a:r>
-              <a:rPr lang="en-US" sz="2000" dirty="0"/>
-              <a:t>Data was collected from </a:t>
-            </a:r>
-            <a:r>
-              <a:rPr lang="en-US" sz="2000" b="1" dirty="0"/>
-              <a:t>crime rate, housing price </a:t>
-            </a:r>
-            <a:r>
-              <a:rPr lang="en-US" sz="2000" dirty="0"/>
-              <a:t>and </a:t>
-            </a:r>
-            <a:r>
-              <a:rPr lang="en-US" sz="2000" b="1" dirty="0"/>
-              <a:t>population density per neighborhood</a:t>
-            </a:r>
-            <a:r>
-              <a:rPr lang="en-US" sz="2000" dirty="0"/>
-              <a:t>.</a:t>
-            </a:r>
-          </a:p>
-          <a:p>
-            <a:endParaRPr lang="en-US" sz="1800" dirty="0"/>
-          </a:p>
-          <a:p>
-            <a:pPr>
-              <a:buFont typeface="Arial" panose="020B0604020202020204" pitchFamily="34" charset="0"/>
-              <a:buChar char="•"/>
-            </a:pPr>
-            <a:r>
-              <a:rPr lang="en-US" sz="3200" b="1" dirty="0"/>
-              <a:t> Correlation: -0.33 </a:t>
-            </a:r>
-          </a:p>
-          <a:p>
-            <a:endParaRPr lang="en-US" sz="1800" dirty="0"/>
-          </a:p>
-          <a:p>
-            <a:endParaRPr lang="en-CA" sz="1800" dirty="0"/>
-          </a:p>
-        </p:txBody>
-      </p:sp>
-      <p:sp>
-        <p:nvSpPr>
-          <p:cNvPr id="4" name="TextBox 3">
-            <a:extLst>
-              <a:ext uri="{FF2B5EF4-FFF2-40B4-BE49-F238E27FC236}">
-                <a16:creationId xmlns:a16="http://schemas.microsoft.com/office/drawing/2014/main" id="{FAB24294-C800-4080-BF50-58FF18EE4029}"/>
-              </a:ext>
-            </a:extLst>
-          </p:cNvPr>
-          <p:cNvSpPr txBox="1"/>
-          <p:nvPr/>
-        </p:nvSpPr>
-        <p:spPr>
-          <a:xfrm>
-            <a:off x="1209675" y="6223050"/>
-            <a:ext cx="5105400" cy="369332"/>
-          </a:xfrm>
-          <a:prstGeom prst="rect">
-            <a:avLst/>
-          </a:prstGeom>
-          <a:noFill/>
-        </p:spPr>
-        <p:txBody>
-          <a:bodyPr wrap="square" rtlCol="0">
-            <a:spAutoFit/>
-          </a:bodyPr>
-          <a:lstStyle/>
-          <a:p>
-            <a:pPr algn="ctr"/>
-            <a:r>
-              <a:rPr lang="en-CA" b="1" dirty="0"/>
-              <a:t>Scatterplot crime rate</a:t>
-            </a:r>
-          </a:p>
-        </p:txBody>
-      </p:sp>
-    </p:spTree>
-    <p:extLst>
-      <p:ext uri="{BB962C8B-B14F-4D97-AF65-F5344CB8AC3E}">
-        <p14:creationId xmlns:p14="http://schemas.microsoft.com/office/powerpoint/2010/main" val="2732737065"/>
-      </p:ext>
-    </p:extLst>
-  </p:cSld>
-  <p:clrMapOvr>
-    <a:masterClrMapping/>
-  </p:clrMapOvr>
-</p:sld>
-</file>
-
-<file path=ppt/slides/slide6.xml><?xml version="1.0" encoding="utf-8"?>
-<p:sld xmlns:a="http://schemas.openxmlformats.org/drawingml/2006/main" xmlns:r="http://schemas.openxmlformats.org/officeDocument/2006/relationships" xmlns:p="http://schemas.openxmlformats.org/presentationml/2006/main">
-  <p:cSld>
-    <p:bg>
-      <p:bgPr>
-        <a:solidFill>
           <a:schemeClr val="accent1"/>
         </a:solidFill>
         <a:effectLst/>
@@ -13578,7 +13304,7 @@
 </p:sld>
 </file>
 
-<file path=ppt/slides/slide7.xml><?xml version="1.0" encoding="utf-8"?>
+<file path=ppt/slides/slide6.xml><?xml version="1.0" encoding="utf-8"?>
 <p:sld xmlns:a="http://schemas.openxmlformats.org/drawingml/2006/main" xmlns:r="http://schemas.openxmlformats.org/officeDocument/2006/relationships" xmlns:p="http://schemas.openxmlformats.org/presentationml/2006/main">
   <p:cSld>
     <p:bg>
@@ -13789,7 +13515,7 @@
 </p:sld>
 </file>
 
-<file path=ppt/slides/slide8.xml><?xml version="1.0" encoding="utf-8"?>
+<file path=ppt/slides/slide7.xml><?xml version="1.0" encoding="utf-8"?>
 <p:sld xmlns:a="http://schemas.openxmlformats.org/drawingml/2006/main" xmlns:r="http://schemas.openxmlformats.org/officeDocument/2006/relationships" xmlns:p="http://schemas.openxmlformats.org/presentationml/2006/main">
   <p:cSld>
     <p:bg>
@@ -13940,7 +13666,7 @@
                   <a:srgbClr val="FF8F67"/>
                 </a:solidFill>
               </a:rPr>
-              <a:t>$ implications</a:t>
+              <a:t>Crime Rate</a:t>
             </a:r>
           </a:p>
         </p:txBody>
@@ -14244,7 +13970,7 @@
         </p:spPr>
         <p:txBody>
           <a:bodyPr>
-            <a:normAutofit fontScale="62500" lnSpcReduction="20000"/>
+            <a:normAutofit/>
           </a:bodyPr>
           <a:lstStyle/>
           <a:p>
@@ -14260,38 +13986,6 @@
             <a:pPr marL="0" indent="0">
               <a:buNone/>
             </a:pPr>
-            <a:endParaRPr lang="en-CA" dirty="0"/>
-          </a:p>
-          <a:p>
-            <a:pPr marL="0" indent="0">
-              <a:buNone/>
-            </a:pPr>
-            <a:r>
-              <a:rPr lang="en-CA" dirty="0"/>
-              <a:t>Taxpayers (Public) </a:t>
-            </a:r>
-          </a:p>
-          <a:p>
-            <a:pPr marL="0" indent="0">
-              <a:buNone/>
-            </a:pPr>
-            <a:r>
-              <a:rPr lang="en-CA" dirty="0"/>
-              <a:t>City (</a:t>
-            </a:r>
-            <a:r>
-              <a:rPr lang="en-CA" dirty="0" err="1"/>
-              <a:t>Goverment</a:t>
-            </a:r>
-            <a:r>
-              <a:rPr lang="en-CA" dirty="0"/>
-              <a:t>) </a:t>
-            </a:r>
-          </a:p>
-          <a:p>
-            <a:endParaRPr lang="en-CA" dirty="0"/>
-          </a:p>
-          <a:p>
             <a:r>
               <a:rPr lang="en-CA" dirty="0"/>
               <a:t>Total number of crime (</a:t>
@@ -14306,13 +14000,13 @@
             </a:r>
           </a:p>
           <a:p>
+            <a:pPr marL="0" indent="0">
+              <a:buNone/>
+            </a:pPr>
             <a:endParaRPr lang="en-CA" dirty="0"/>
           </a:p>
           <a:p>
-            <a:r>
-              <a:rPr lang="en-CA" dirty="0"/>
-              <a:t>Price of the average house: 627,538</a:t>
-            </a:r>
+            <a:endParaRPr lang="en-CA" dirty="0"/>
           </a:p>
           <a:p>
             <a:endParaRPr lang="en-US" dirty="0"/>
@@ -14328,6 +14022,537 @@
   </p:cSld>
   <p:clrMapOvr>
     <a:overrideClrMapping bg1="dk1" tx1="lt1" bg2="dk2" tx2="lt2" accent1="accent1" accent2="accent2" accent3="accent3" accent4="accent4" accent5="accent5" accent6="accent6" hlink="hlink" folHlink="folHlink"/>
+  </p:clrMapOvr>
+</p:sld>
+</file>
+
+<file path=ppt/slides/slide8.xml><?xml version="1.0" encoding="utf-8"?>
+<p:sld xmlns:a="http://schemas.openxmlformats.org/drawingml/2006/main" xmlns:r="http://schemas.openxmlformats.org/officeDocument/2006/relationships" xmlns:p="http://schemas.openxmlformats.org/presentationml/2006/main">
+  <p:cSld>
+    <p:bg>
+      <p:bgPr>
+        <a:solidFill>
+          <a:schemeClr val="bg1"/>
+        </a:solidFill>
+        <a:effectLst/>
+      </p:bgPr>
+    </p:bg>
+    <p:spTree>
+      <p:nvGrpSpPr>
+        <p:cNvPr id="1" name=""/>
+        <p:cNvGrpSpPr/>
+        <p:nvPr/>
+      </p:nvGrpSpPr>
+      <p:grpSpPr>
+        <a:xfrm>
+          <a:off x="0" y="0"/>
+          <a:ext cx="0" cy="0"/>
+          <a:chOff x="0" y="0"/>
+          <a:chExt cx="0" cy="0"/>
+        </a:xfrm>
+      </p:grpSpPr>
+      <p:sp>
+        <p:nvSpPr>
+          <p:cNvPr id="71" name="Rectangle 70">
+            <a:extLst>
+              <a:ext uri="{FF2B5EF4-FFF2-40B4-BE49-F238E27FC236}">
+                <a16:creationId xmlns:a16="http://schemas.microsoft.com/office/drawing/2014/main" id="{D6EA1A26-163F-4F15-91F4-F2C51AC9C106}"/>
+              </a:ext>
+              <a:ext uri="{C183D7F6-B498-43B3-948B-1728B52AA6E4}">
+                <adec:decorative xmlns:adec="http://schemas.microsoft.com/office/drawing/2017/decorative" val="1"/>
+              </a:ext>
+            </a:extLst>
+          </p:cNvPr>
+          <p:cNvSpPr>
+            <a:spLocks noGrp="1" noRot="1" noChangeAspect="1" noMove="1" noResize="1" noEditPoints="1" noAdjustHandles="1" noChangeArrowheads="1" noChangeShapeType="1" noTextEdit="1"/>
+          </p:cNvSpPr>
+          <p:nvPr>
+            <p:extLst>
+              <p:ext uri="{386F3935-93C4-4BCD-93E2-E3B085C9AB24}">
+                <p16:designElem xmlns:p16="http://schemas.microsoft.com/office/powerpoint/2015/main" val="1"/>
+              </p:ext>
+            </p:extLst>
+          </p:nvPr>
+        </p:nvSpPr>
+        <p:spPr>
+          <a:xfrm>
+            <a:off x="7555992" y="0"/>
+            <a:ext cx="4636008" cy="6858000"/>
+          </a:xfrm>
+          <a:prstGeom prst="rect">
+            <a:avLst/>
+          </a:prstGeom>
+          <a:solidFill>
+            <a:schemeClr val="accent1"/>
+          </a:solidFill>
+          <a:ln>
+            <a:noFill/>
+          </a:ln>
+        </p:spPr>
+        <p:style>
+          <a:lnRef idx="2">
+            <a:schemeClr val="accent1">
+              <a:shade val="50000"/>
+            </a:schemeClr>
+          </a:lnRef>
+          <a:fillRef idx="1">
+            <a:schemeClr val="accent1"/>
+          </a:fillRef>
+          <a:effectRef idx="0">
+            <a:schemeClr val="accent1"/>
+          </a:effectRef>
+          <a:fontRef idx="minor">
+            <a:schemeClr val="lt1"/>
+          </a:fontRef>
+        </p:style>
+        <p:txBody>
+          <a:bodyPr rtlCol="0" anchor="ctr"/>
+          <a:lstStyle/>
+          <a:p>
+            <a:pPr algn="ctr"/>
+            <a:endParaRPr lang="en-US"/>
+          </a:p>
+        </p:txBody>
+      </p:sp>
+      <p:sp>
+        <p:nvSpPr>
+          <p:cNvPr id="2" name="Title 1">
+            <a:extLst>
+              <a:ext uri="{FF2B5EF4-FFF2-40B4-BE49-F238E27FC236}">
+                <a16:creationId xmlns:a16="http://schemas.microsoft.com/office/drawing/2014/main" id="{AD5E1688-1DCC-4C67-BEA4-2F620A96DDA8}"/>
+              </a:ext>
+            </a:extLst>
+          </p:cNvPr>
+          <p:cNvSpPr>
+            <a:spLocks noGrp="1"/>
+          </p:cNvSpPr>
+          <p:nvPr>
+            <p:ph type="title"/>
+          </p:nvPr>
+        </p:nvSpPr>
+        <p:spPr>
+          <a:xfrm>
+            <a:off x="8136666" y="249767"/>
+            <a:ext cx="3401568" cy="1920240"/>
+          </a:xfrm>
+        </p:spPr>
+        <p:txBody>
+          <a:bodyPr anchor="b">
+            <a:normAutofit/>
+          </a:bodyPr>
+          <a:lstStyle/>
+          <a:p>
+            <a:r>
+              <a:rPr lang="en-US" sz="4000" dirty="0">
+                <a:solidFill>
+                  <a:srgbClr val="FFFFFF"/>
+                </a:solidFill>
+              </a:rPr>
+              <a:t>Motivation to raise property values</a:t>
+            </a:r>
+            <a:endParaRPr lang="en-CA" sz="4000" dirty="0">
+              <a:solidFill>
+                <a:srgbClr val="FFFFFF"/>
+              </a:solidFill>
+            </a:endParaRPr>
+          </a:p>
+        </p:txBody>
+      </p:sp>
+      <p:pic>
+        <p:nvPicPr>
+          <p:cNvPr id="1026" name="Picture 2" descr="A close up of text on a white background&#10;&#10;Description automatically generated">
+            <a:extLst>
+              <a:ext uri="{FF2B5EF4-FFF2-40B4-BE49-F238E27FC236}">
+                <a16:creationId xmlns:a16="http://schemas.microsoft.com/office/drawing/2014/main" id="{8106A12B-7312-4344-BB64-B117EF841312}"/>
+              </a:ext>
+            </a:extLst>
+          </p:cNvPr>
+          <p:cNvPicPr>
+            <a:picLocks noChangeAspect="1" noChangeArrowheads="1"/>
+          </p:cNvPicPr>
+          <p:nvPr/>
+        </p:nvPicPr>
+        <p:blipFill rotWithShape="1">
+          <a:blip r:embed="rId2">
+            <a:extLst>
+              <a:ext uri="{28A0092B-C50C-407E-A947-70E740481C1C}">
+                <a14:useLocalDpi xmlns:a14="http://schemas.microsoft.com/office/drawing/2010/main" val="0"/>
+              </a:ext>
+            </a:extLst>
+          </a:blip>
+          <a:srcRect t="10997" r="-2" b="-2"/>
+          <a:stretch/>
+        </p:blipFill>
+        <p:spPr bwMode="auto">
+          <a:xfrm>
+            <a:off x="617220" y="634949"/>
+            <a:ext cx="6278529" cy="5588101"/>
+          </a:xfrm>
+          <a:prstGeom prst="rect">
+            <a:avLst/>
+          </a:prstGeom>
+          <a:noFill/>
+          <a:extLst>
+            <a:ext uri="{909E8E84-426E-40DD-AFC4-6F175D3DCCD1}">
+              <a14:hiddenFill xmlns:a14="http://schemas.microsoft.com/office/drawing/2010/main">
+                <a:solidFill>
+                  <a:srgbClr val="FFFFFF"/>
+                </a:solidFill>
+              </a14:hiddenFill>
+            </a:ext>
+          </a:extLst>
+        </p:spPr>
+      </p:pic>
+      <p:sp>
+        <p:nvSpPr>
+          <p:cNvPr id="3" name="Content Placeholder 2">
+            <a:extLst>
+              <a:ext uri="{FF2B5EF4-FFF2-40B4-BE49-F238E27FC236}">
+                <a16:creationId xmlns:a16="http://schemas.microsoft.com/office/drawing/2014/main" id="{100F1F3D-F181-4FE1-AB55-BC4BBE36FC2D}"/>
+              </a:ext>
+            </a:extLst>
+          </p:cNvPr>
+          <p:cNvSpPr>
+            <a:spLocks noGrp="1"/>
+          </p:cNvSpPr>
+          <p:nvPr>
+            <p:ph idx="1"/>
+          </p:nvPr>
+        </p:nvSpPr>
+        <p:spPr>
+          <a:xfrm>
+            <a:off x="8173212" y="2419773"/>
+            <a:ext cx="3401568" cy="3358092"/>
+          </a:xfrm>
+        </p:spPr>
+        <p:txBody>
+          <a:bodyPr>
+            <a:normAutofit/>
+          </a:bodyPr>
+          <a:lstStyle/>
+          <a:p>
+            <a:r>
+              <a:rPr lang="en-US" sz="2000" dirty="0"/>
+              <a:t>Data was collected from </a:t>
+            </a:r>
+            <a:r>
+              <a:rPr lang="en-US" sz="2000" b="1" dirty="0"/>
+              <a:t>crime rate, housing price </a:t>
+            </a:r>
+            <a:r>
+              <a:rPr lang="en-US" sz="2000" dirty="0"/>
+              <a:t>and </a:t>
+            </a:r>
+            <a:r>
+              <a:rPr lang="en-US" sz="2000" b="1" dirty="0"/>
+              <a:t>population density per neighborhood</a:t>
+            </a:r>
+            <a:r>
+              <a:rPr lang="en-US" sz="2000" dirty="0"/>
+              <a:t>.</a:t>
+            </a:r>
+            <a:endParaRPr lang="en-US" sz="1800" dirty="0"/>
+          </a:p>
+          <a:p>
+            <a:endParaRPr lang="en-CA" sz="1800" dirty="0"/>
+          </a:p>
+        </p:txBody>
+      </p:sp>
+      <p:sp>
+        <p:nvSpPr>
+          <p:cNvPr id="4" name="TextBox 3">
+            <a:extLst>
+              <a:ext uri="{FF2B5EF4-FFF2-40B4-BE49-F238E27FC236}">
+                <a16:creationId xmlns:a16="http://schemas.microsoft.com/office/drawing/2014/main" id="{FAB24294-C800-4080-BF50-58FF18EE4029}"/>
+              </a:ext>
+            </a:extLst>
+          </p:cNvPr>
+          <p:cNvSpPr txBox="1"/>
+          <p:nvPr/>
+        </p:nvSpPr>
+        <p:spPr>
+          <a:xfrm>
+            <a:off x="1209675" y="6223050"/>
+            <a:ext cx="5105400" cy="369332"/>
+          </a:xfrm>
+          <a:prstGeom prst="rect">
+            <a:avLst/>
+          </a:prstGeom>
+          <a:noFill/>
+        </p:spPr>
+        <p:txBody>
+          <a:bodyPr wrap="square" rtlCol="0">
+            <a:spAutoFit/>
+          </a:bodyPr>
+          <a:lstStyle/>
+          <a:p>
+            <a:pPr algn="ctr"/>
+            <a:r>
+              <a:rPr lang="en-CA" b="1" dirty="0"/>
+              <a:t>Scatterplot crime rate</a:t>
+            </a:r>
+          </a:p>
+        </p:txBody>
+      </p:sp>
+      <p:graphicFrame>
+        <p:nvGraphicFramePr>
+          <p:cNvPr id="7" name="Table 6">
+            <a:extLst>
+              <a:ext uri="{FF2B5EF4-FFF2-40B4-BE49-F238E27FC236}">
+                <a16:creationId xmlns:a16="http://schemas.microsoft.com/office/drawing/2014/main" id="{523E2B4D-53C3-47CD-B8D1-0AAA172FD83C}"/>
+              </a:ext>
+            </a:extLst>
+          </p:cNvPr>
+          <p:cNvGraphicFramePr>
+            <a:graphicFrameLocks noGrp="1"/>
+          </p:cNvGraphicFramePr>
+          <p:nvPr>
+            <p:extLst>
+              <p:ext uri="{D42A27DB-BD31-4B8C-83A1-F6EECF244321}">
+                <p14:modId xmlns:p14="http://schemas.microsoft.com/office/powerpoint/2010/main" val="1558149214"/>
+              </p:ext>
+            </p:extLst>
+          </p:nvPr>
+        </p:nvGraphicFramePr>
+        <p:xfrm>
+          <a:off x="7946866" y="3728770"/>
+          <a:ext cx="3251200" cy="2157680"/>
+        </p:xfrm>
+        <a:graphic>
+          <a:graphicData uri="http://schemas.openxmlformats.org/drawingml/2006/table">
+            <a:tbl>
+              <a:tblPr firstRow="1" bandRow="1">
+                <a:tableStyleId>{5C22544A-7EE6-4342-B048-85BDC9FD1C3A}</a:tableStyleId>
+              </a:tblPr>
+              <a:tblGrid>
+                <a:gridCol w="1625600">
+                  <a:extLst>
+                    <a:ext uri="{9D8B030D-6E8A-4147-A177-3AD203B41FA5}">
+                      <a16:colId xmlns:a16="http://schemas.microsoft.com/office/drawing/2014/main" val="3149192951"/>
+                    </a:ext>
+                  </a:extLst>
+                </a:gridCol>
+                <a:gridCol w="1625600">
+                  <a:extLst>
+                    <a:ext uri="{9D8B030D-6E8A-4147-A177-3AD203B41FA5}">
+                      <a16:colId xmlns:a16="http://schemas.microsoft.com/office/drawing/2014/main" val="2821171680"/>
+                    </a:ext>
+                  </a:extLst>
+                </a:gridCol>
+              </a:tblGrid>
+              <a:tr h="370840">
+                <a:tc>
+                  <a:txBody>
+                    <a:bodyPr/>
+                    <a:lstStyle/>
+                    <a:p>
+                      <a:r>
+                        <a:rPr lang="en-CA" dirty="0"/>
+                        <a:t>Annual Crime Count </a:t>
+                      </a:r>
+                    </a:p>
+                  </a:txBody>
+                  <a:tcPr/>
+                </a:tc>
+                <a:tc>
+                  <a:txBody>
+                    <a:bodyPr/>
+                    <a:lstStyle/>
+                    <a:p>
+                      <a:r>
+                        <a:rPr lang="en-CA" dirty="0"/>
+                        <a:t>Average housing price</a:t>
+                      </a:r>
+                    </a:p>
+                  </a:txBody>
+                  <a:tcPr/>
+                </a:tc>
+                <a:extLst>
+                  <a:ext uri="{0D108BD9-81ED-4DB2-BD59-A6C34878D82A}">
+                    <a16:rowId xmlns:a16="http://schemas.microsoft.com/office/drawing/2014/main" val="2767409197"/>
+                  </a:ext>
+                </a:extLst>
+              </a:tr>
+              <a:tr h="370840">
+                <a:tc>
+                  <a:txBody>
+                    <a:bodyPr/>
+                    <a:lstStyle/>
+                    <a:p>
+                      <a:r>
+                        <a:rPr lang="en-CA" dirty="0"/>
+                        <a:t>1000</a:t>
+                      </a:r>
+                    </a:p>
+                  </a:txBody>
+                  <a:tcPr/>
+                </a:tc>
+                <a:tc>
+                  <a:txBody>
+                    <a:bodyPr/>
+                    <a:lstStyle/>
+                    <a:p>
+                      <a:r>
+                        <a:rPr lang="en-CA" dirty="0"/>
+                        <a:t>$ 318k</a:t>
+                      </a:r>
+                    </a:p>
+                  </a:txBody>
+                  <a:tcPr/>
+                </a:tc>
+                <a:extLst>
+                  <a:ext uri="{0D108BD9-81ED-4DB2-BD59-A6C34878D82A}">
+                    <a16:rowId xmlns:a16="http://schemas.microsoft.com/office/drawing/2014/main" val="974589072"/>
+                  </a:ext>
+                </a:extLst>
+              </a:tr>
+              <a:tr h="370840">
+                <a:tc>
+                  <a:txBody>
+                    <a:bodyPr/>
+                    <a:lstStyle/>
+                    <a:p>
+                      <a:r>
+                        <a:rPr lang="en-CA" dirty="0"/>
+                        <a:t>100</a:t>
+                      </a:r>
+                    </a:p>
+                  </a:txBody>
+                  <a:tcPr/>
+                </a:tc>
+                <a:tc>
+                  <a:txBody>
+                    <a:bodyPr/>
+                    <a:lstStyle/>
+                    <a:p>
+                      <a:r>
+                        <a:rPr lang="en-CA" dirty="0"/>
+                        <a:t>$ 399k</a:t>
+                      </a:r>
+                    </a:p>
+                  </a:txBody>
+                  <a:tcPr/>
+                </a:tc>
+                <a:extLst>
+                  <a:ext uri="{0D108BD9-81ED-4DB2-BD59-A6C34878D82A}">
+                    <a16:rowId xmlns:a16="http://schemas.microsoft.com/office/drawing/2014/main" val="2412398345"/>
+                  </a:ext>
+                </a:extLst>
+              </a:tr>
+              <a:tr h="370840">
+                <a:tc>
+                  <a:txBody>
+                    <a:bodyPr/>
+                    <a:lstStyle/>
+                    <a:p>
+                      <a:r>
+                        <a:rPr lang="en-CA" dirty="0"/>
+                        <a:t>10</a:t>
+                      </a:r>
+                    </a:p>
+                  </a:txBody>
+                  <a:tcPr/>
+                </a:tc>
+                <a:tc>
+                  <a:txBody>
+                    <a:bodyPr/>
+                    <a:lstStyle/>
+                    <a:p>
+                      <a:r>
+                        <a:rPr lang="en-CA" dirty="0"/>
+                        <a:t>$ 500k</a:t>
+                      </a:r>
+                    </a:p>
+                  </a:txBody>
+                  <a:tcPr/>
+                </a:tc>
+                <a:extLst>
+                  <a:ext uri="{0D108BD9-81ED-4DB2-BD59-A6C34878D82A}">
+                    <a16:rowId xmlns:a16="http://schemas.microsoft.com/office/drawing/2014/main" val="3022593481"/>
+                  </a:ext>
+                </a:extLst>
+              </a:tr>
+              <a:tr h="405080">
+                <a:tc>
+                  <a:txBody>
+                    <a:bodyPr/>
+                    <a:lstStyle/>
+                    <a:p>
+                      <a:r>
+                        <a:rPr lang="en-CA" dirty="0"/>
+                        <a:t>0</a:t>
+                      </a:r>
+                    </a:p>
+                  </a:txBody>
+                  <a:tcPr/>
+                </a:tc>
+                <a:tc>
+                  <a:txBody>
+                    <a:bodyPr/>
+                    <a:lstStyle/>
+                    <a:p>
+                      <a:r>
+                        <a:rPr lang="en-CA" dirty="0"/>
+                        <a:t>$ 628k</a:t>
+                      </a:r>
+                    </a:p>
+                  </a:txBody>
+                  <a:tcPr/>
+                </a:tc>
+                <a:extLst>
+                  <a:ext uri="{0D108BD9-81ED-4DB2-BD59-A6C34878D82A}">
+                    <a16:rowId xmlns:a16="http://schemas.microsoft.com/office/drawing/2014/main" val="1688163273"/>
+                  </a:ext>
+                </a:extLst>
+              </a:tr>
+            </a:tbl>
+          </a:graphicData>
+        </a:graphic>
+      </p:graphicFrame>
+      <p:sp>
+        <p:nvSpPr>
+          <p:cNvPr id="5" name="TextBox 4">
+            <a:extLst>
+              <a:ext uri="{FF2B5EF4-FFF2-40B4-BE49-F238E27FC236}">
+                <a16:creationId xmlns:a16="http://schemas.microsoft.com/office/drawing/2014/main" id="{6CD456D8-9B94-4494-871F-180A0EFA69AF}"/>
+              </a:ext>
+            </a:extLst>
+          </p:cNvPr>
+          <p:cNvSpPr txBox="1"/>
+          <p:nvPr/>
+        </p:nvSpPr>
+        <p:spPr>
+          <a:xfrm>
+            <a:off x="1457325" y="171450"/>
+            <a:ext cx="1868588" cy="369332"/>
+          </a:xfrm>
+          <a:prstGeom prst="rect">
+            <a:avLst/>
+          </a:prstGeom>
+          <a:noFill/>
+        </p:spPr>
+        <p:txBody>
+          <a:bodyPr wrap="none" rtlCol="0">
+            <a:spAutoFit/>
+          </a:bodyPr>
+          <a:lstStyle/>
+          <a:p>
+            <a:r>
+              <a:rPr lang="en-CA" b="1" dirty="0"/>
+              <a:t>Correlation : -0.33</a:t>
+            </a:r>
+          </a:p>
+        </p:txBody>
+      </p:sp>
+    </p:spTree>
+    <p:extLst>
+      <p:ext uri="{BB962C8B-B14F-4D97-AF65-F5344CB8AC3E}">
+        <p14:creationId xmlns:p14="http://schemas.microsoft.com/office/powerpoint/2010/main" val="2732737065"/>
+      </p:ext>
+    </p:extLst>
+  </p:cSld>
+  <p:clrMapOvr>
+    <a:masterClrMapping/>
   </p:clrMapOvr>
 </p:sld>
 </file>

--- a/presentation.pptx
+++ b/presentation.pptx
@@ -6,13 +6,11 @@
   </p:sldMasterIdLst>
   <p:sldIdLst>
     <p:sldId id="256" r:id="rId2"/>
-    <p:sldId id="261" r:id="rId3"/>
-    <p:sldId id="260" r:id="rId4"/>
-    <p:sldId id="263" r:id="rId5"/>
+    <p:sldId id="260" r:id="rId3"/>
+    <p:sldId id="263" r:id="rId4"/>
+    <p:sldId id="257" r:id="rId5"/>
     <p:sldId id="258" r:id="rId6"/>
     <p:sldId id="262" r:id="rId7"/>
-    <p:sldId id="264" r:id="rId8"/>
-    <p:sldId id="257" r:id="rId9"/>
   </p:sldIdLst>
   <p:sldSz cx="12192000" cy="6858000"/>
   <p:notesSz cx="6858000" cy="9144000"/>
@@ -2770,14 +2768,14 @@
             <a:defRPr cap="all"/>
           </a:pPr>
           <a:r>
-            <a:rPr lang="en-CA" sz="2000" dirty="0"/>
-            <a:t>Housing Price: </a:t>
+            <a:rPr lang="en-CA" sz="2400" dirty="0"/>
+            <a:t>Property value: </a:t>
           </a:r>
           <a:r>
-            <a:rPr lang="en-CA" sz="2000" b="1" dirty="0"/>
+            <a:rPr lang="en-CA" sz="2400" b="1" dirty="0"/>
             <a:t>Kijiji (2020 June - today)</a:t>
           </a:r>
-          <a:endParaRPr lang="en-US" sz="2000" b="1" dirty="0"/>
+          <a:endParaRPr lang="en-US" sz="2400" b="1" dirty="0"/>
         </a:p>
       </dgm:t>
     </dgm:pt>
@@ -2804,7 +2802,7 @@
       </dgm:t>
     </dgm:pt>
     <dgm:pt modelId="{FF44EA29-03B7-4ED5-BB21-84CD2BF3AF7B}">
-      <dgm:prSet/>
+      <dgm:prSet custT="1"/>
       <dgm:spPr/>
       <dgm:t>
         <a:bodyPr/>
@@ -2814,14 +2812,14 @@
             <a:defRPr cap="all"/>
           </a:pPr>
           <a:r>
-            <a:rPr lang="en-CA" dirty="0"/>
+            <a:rPr lang="en-CA" sz="2400" dirty="0"/>
             <a:t>Crime Rate: </a:t>
           </a:r>
           <a:r>
-            <a:rPr lang="en-CA" b="1" dirty="0"/>
+            <a:rPr lang="en-CA" sz="2400" b="1" dirty="0"/>
             <a:t>Winnipeg police services (2018 September – 2019 November)</a:t>
           </a:r>
-          <a:endParaRPr lang="en-US" b="1" dirty="0"/>
+          <a:endParaRPr lang="en-US" sz="2400" b="1" dirty="0"/>
         </a:p>
       </dgm:t>
     </dgm:pt>
@@ -2858,14 +2856,18 @@
             <a:defRPr cap="all"/>
           </a:pPr>
           <a:r>
-            <a:rPr lang="en-CA" sz="2000" dirty="0"/>
+            <a:rPr lang="en-CA" sz="2400" dirty="0"/>
             <a:t>Neighborhood Map: </a:t>
           </a:r>
           <a:r>
-            <a:rPr lang="en-CA" sz="2000" b="1" dirty="0"/>
-            <a:t>Winnipeg R Package</a:t>
+            <a:rPr lang="en-CA" sz="2400" b="1" dirty="0" err="1"/>
+            <a:t>WinnipegR</a:t>
           </a:r>
-          <a:endParaRPr lang="en-US" sz="2000" b="1" dirty="0"/>
+          <a:r>
+            <a:rPr lang="en-CA" sz="2400" b="1" dirty="0"/>
+            <a:t> R Package</a:t>
+          </a:r>
+          <a:endParaRPr lang="en-US" sz="2400" b="1" dirty="0"/>
         </a:p>
       </dgm:t>
     </dgm:pt>
@@ -3717,8 +3719,8 @@
       </dsp:nvSpPr>
       <dsp:spPr>
         <a:xfrm>
-          <a:off x="1320049" y="18249"/>
-          <a:ext cx="1235250" cy="1235250"/>
+          <a:off x="464910" y="710124"/>
+          <a:ext cx="1303875" cy="1303875"/>
         </a:xfrm>
         <a:prstGeom prst="ellipse">
           <a:avLst/>
@@ -3757,8 +3759,8 @@
       </dsp:nvSpPr>
       <dsp:spPr>
         <a:xfrm>
-          <a:off x="1583299" y="281500"/>
-          <a:ext cx="708750" cy="708750"/>
+          <a:off x="742785" y="988000"/>
+          <a:ext cx="748125" cy="748125"/>
         </a:xfrm>
         <a:prstGeom prst="rect">
           <a:avLst/>
@@ -3806,8 +3808,8 @@
       </dsp:nvSpPr>
       <dsp:spPr>
         <a:xfrm>
-          <a:off x="925174" y="1638250"/>
-          <a:ext cx="2025000" cy="855000"/>
+          <a:off x="48098" y="2420125"/>
+          <a:ext cx="2137500" cy="2362500"/>
         </a:xfrm>
         <a:prstGeom prst="rect">
           <a:avLst/>
@@ -3836,7 +3838,7 @@
         </a:bodyPr>
         <a:lstStyle/>
         <a:p>
-          <a:pPr marL="0" lvl="0" indent="0" algn="ctr" defTabSz="889000">
+          <a:pPr marL="0" lvl="0" indent="0" algn="ctr" defTabSz="1066800">
             <a:lnSpc>
               <a:spcPct val="90000"/>
             </a:lnSpc>
@@ -3850,19 +3852,19 @@
             <a:defRPr cap="all"/>
           </a:pPr>
           <a:r>
-            <a:rPr lang="en-CA" sz="2000" kern="1200" dirty="0"/>
-            <a:t>Housing Price: </a:t>
+            <a:rPr lang="en-CA" sz="2400" kern="1200" dirty="0"/>
+            <a:t>Property value: </a:t>
           </a:r>
           <a:r>
-            <a:rPr lang="en-CA" sz="2000" b="1" kern="1200" dirty="0"/>
+            <a:rPr lang="en-CA" sz="2400" b="1" kern="1200" dirty="0"/>
             <a:t>Kijiji (2020 June - today)</a:t>
           </a:r>
-          <a:endParaRPr lang="en-US" sz="2000" b="1" kern="1200" dirty="0"/>
+          <a:endParaRPr lang="en-US" sz="2400" b="1" kern="1200" dirty="0"/>
         </a:p>
       </dsp:txBody>
       <dsp:txXfrm>
-        <a:off x="925174" y="1638250"/>
-        <a:ext cx="2025000" cy="855000"/>
+        <a:off x="48098" y="2420125"/>
+        <a:ext cx="2137500" cy="2362500"/>
       </dsp:txXfrm>
     </dsp:sp>
     <dsp:sp modelId="{BEE13EAC-BB46-4ECF-8BB7-AA9D19F8DA31}">
@@ -3872,8 +3874,8 @@
       </dsp:nvSpPr>
       <dsp:spPr>
         <a:xfrm>
-          <a:off x="3699424" y="18249"/>
-          <a:ext cx="1235250" cy="1235250"/>
+          <a:off x="2976473" y="710124"/>
+          <a:ext cx="1303875" cy="1303875"/>
         </a:xfrm>
         <a:prstGeom prst="ellipse">
           <a:avLst/>
@@ -3912,8 +3914,8 @@
       </dsp:nvSpPr>
       <dsp:spPr>
         <a:xfrm>
-          <a:off x="3962674" y="281500"/>
-          <a:ext cx="708750" cy="708750"/>
+          <a:off x="3254348" y="988000"/>
+          <a:ext cx="748125" cy="748125"/>
         </a:xfrm>
         <a:prstGeom prst="rect">
           <a:avLst/>
@@ -3961,8 +3963,8 @@
       </dsp:nvSpPr>
       <dsp:spPr>
         <a:xfrm>
-          <a:off x="3304549" y="1638250"/>
-          <a:ext cx="2025000" cy="855000"/>
+          <a:off x="2559660" y="2420125"/>
+          <a:ext cx="2137500" cy="2362500"/>
         </a:xfrm>
         <a:prstGeom prst="rect">
           <a:avLst/>
@@ -3991,7 +3993,7 @@
         </a:bodyPr>
         <a:lstStyle/>
         <a:p>
-          <a:pPr marL="0" lvl="0" indent="0" algn="ctr" defTabSz="666750">
+          <a:pPr marL="0" lvl="0" indent="0" algn="ctr" defTabSz="1066800">
             <a:lnSpc>
               <a:spcPct val="90000"/>
             </a:lnSpc>
@@ -4005,19 +4007,19 @@
             <a:defRPr cap="all"/>
           </a:pPr>
           <a:r>
-            <a:rPr lang="en-CA" sz="1500" kern="1200" dirty="0"/>
+            <a:rPr lang="en-CA" sz="2400" kern="1200" dirty="0"/>
             <a:t>Crime Rate: </a:t>
           </a:r>
           <a:r>
-            <a:rPr lang="en-CA" sz="1500" b="1" kern="1200" dirty="0"/>
+            <a:rPr lang="en-CA" sz="2400" b="1" kern="1200" dirty="0"/>
             <a:t>Winnipeg police services (2018 September – 2019 November)</a:t>
           </a:r>
-          <a:endParaRPr lang="en-US" sz="1500" b="1" kern="1200" dirty="0"/>
+          <a:endParaRPr lang="en-US" sz="2400" b="1" kern="1200" dirty="0"/>
         </a:p>
       </dsp:txBody>
       <dsp:txXfrm>
-        <a:off x="3304549" y="1638250"/>
-        <a:ext cx="2025000" cy="855000"/>
+        <a:off x="2559660" y="2420125"/>
+        <a:ext cx="2137500" cy="2362500"/>
       </dsp:txXfrm>
     </dsp:sp>
     <dsp:sp modelId="{5609C8EA-2441-49E9-A462-761A4DF77DD8}">
@@ -4027,8 +4029,8 @@
       </dsp:nvSpPr>
       <dsp:spPr>
         <a:xfrm>
-          <a:off x="2509737" y="2999500"/>
-          <a:ext cx="1235250" cy="1235250"/>
+          <a:off x="5488035" y="710124"/>
+          <a:ext cx="1303875" cy="1303875"/>
         </a:xfrm>
         <a:prstGeom prst="ellipse">
           <a:avLst/>
@@ -4067,8 +4069,8 @@
       </dsp:nvSpPr>
       <dsp:spPr>
         <a:xfrm>
-          <a:off x="2772987" y="3262750"/>
-          <a:ext cx="708750" cy="708750"/>
+          <a:off x="5765910" y="988000"/>
+          <a:ext cx="748125" cy="748125"/>
         </a:xfrm>
         <a:prstGeom prst="rect">
           <a:avLst/>
@@ -4116,8 +4118,8 @@
       </dsp:nvSpPr>
       <dsp:spPr>
         <a:xfrm>
-          <a:off x="2114862" y="4619500"/>
-          <a:ext cx="2025000" cy="855000"/>
+          <a:off x="5071223" y="2420125"/>
+          <a:ext cx="2137500" cy="2362500"/>
         </a:xfrm>
         <a:prstGeom prst="rect">
           <a:avLst/>
@@ -4146,7 +4148,7 @@
         </a:bodyPr>
         <a:lstStyle/>
         <a:p>
-          <a:pPr marL="0" lvl="0" indent="0" algn="ctr" defTabSz="889000">
+          <a:pPr marL="0" lvl="0" indent="0" algn="ctr" defTabSz="1066800">
             <a:lnSpc>
               <a:spcPct val="90000"/>
             </a:lnSpc>
@@ -4160,19 +4162,23 @@
             <a:defRPr cap="all"/>
           </a:pPr>
           <a:r>
-            <a:rPr lang="en-CA" sz="2000" kern="1200" dirty="0"/>
+            <a:rPr lang="en-CA" sz="2400" kern="1200" dirty="0"/>
             <a:t>Neighborhood Map: </a:t>
           </a:r>
           <a:r>
-            <a:rPr lang="en-CA" sz="2000" b="1" kern="1200" dirty="0"/>
-            <a:t>Winnipeg R Package</a:t>
+            <a:rPr lang="en-CA" sz="2400" b="1" kern="1200" dirty="0" err="1"/>
+            <a:t>WinnipegR</a:t>
           </a:r>
-          <a:endParaRPr lang="en-US" sz="2000" b="1" kern="1200" dirty="0"/>
+          <a:r>
+            <a:rPr lang="en-CA" sz="2400" b="1" kern="1200" dirty="0"/>
+            <a:t> R Package</a:t>
+          </a:r>
+          <a:endParaRPr lang="en-US" sz="2400" b="1" kern="1200" dirty="0"/>
         </a:p>
       </dsp:txBody>
       <dsp:txXfrm>
-        <a:off x="2114862" y="4619500"/>
-        <a:ext cx="2025000" cy="855000"/>
+        <a:off x="5071223" y="2420125"/>
+        <a:ext cx="2137500" cy="2362500"/>
       </dsp:txXfrm>
     </dsp:sp>
   </dsp:spTree>
@@ -12125,10 +12131,15 @@
             <p:ph type="subTitle" idx="1"/>
           </p:nvPr>
         </p:nvSpPr>
-        <p:spPr/>
+        <p:spPr>
+          <a:xfrm>
+            <a:off x="667512" y="4206876"/>
+            <a:ext cx="10920984" cy="1645920"/>
+          </a:xfrm>
+        </p:spPr>
         <p:txBody>
           <a:bodyPr>
-            <a:normAutofit fontScale="92500" lnSpcReduction="20000"/>
+            <a:normAutofit fontScale="70000" lnSpcReduction="20000"/>
           </a:bodyPr>
           <a:lstStyle/>
           <a:p>
@@ -12138,13 +12149,25 @@
             </a:r>
           </a:p>
           <a:p>
-            <a:endParaRPr lang="en-US" dirty="0"/>
+            <a:endParaRPr lang="de-DE" dirty="0"/>
           </a:p>
           <a:p>
             <a:r>
-              <a:rPr lang="en-CA" dirty="0"/>
+              <a:rPr lang="de-DE" sz="4000" dirty="0"/>
+              <a:t>Tuan Huynh / Quoc Le / Andy Reid / Juhee Kim / Julie Chih-yu Chen</a:t>
+            </a:r>
+            <a:endParaRPr lang="en-US" sz="4000" dirty="0"/>
+          </a:p>
+          <a:p>
+            <a:r>
+              <a:rPr lang="en-CA" dirty="0">
+                <a:hlinkClick r:id="rId2"/>
+              </a:rPr>
               <a:t>https://github.com/jubileepower/SaveNeighbourhood</a:t>
             </a:r>
+            <a:endParaRPr lang="en-CA" dirty="0"/>
+          </a:p>
+          <a:p>
             <a:endParaRPr lang="en-US" dirty="0"/>
           </a:p>
           <a:p>
@@ -12224,353 +12247,6 @@
 </file>
 
 <file path=ppt/slides/slide2.xml><?xml version="1.0" encoding="utf-8"?>
-<p:sld xmlns:a="http://schemas.openxmlformats.org/drawingml/2006/main" xmlns:r="http://schemas.openxmlformats.org/officeDocument/2006/relationships" xmlns:p="http://schemas.openxmlformats.org/presentationml/2006/main">
-  <p:cSld>
-    <p:bg>
-      <p:bgPr>
-        <a:solidFill>
-          <a:schemeClr val="bg2"/>
-        </a:solidFill>
-        <a:effectLst/>
-      </p:bgPr>
-    </p:bg>
-    <p:spTree>
-      <p:nvGrpSpPr>
-        <p:cNvPr id="1" name=""/>
-        <p:cNvGrpSpPr/>
-        <p:nvPr/>
-      </p:nvGrpSpPr>
-      <p:grpSpPr>
-        <a:xfrm>
-          <a:off x="0" y="0"/>
-          <a:ext cx="0" cy="0"/>
-          <a:chOff x="0" y="0"/>
-          <a:chExt cx="0" cy="0"/>
-        </a:xfrm>
-      </p:grpSpPr>
-      <p:sp>
-        <p:nvSpPr>
-          <p:cNvPr id="8" name="Rectangle 7">
-            <a:extLst>
-              <a:ext uri="{FF2B5EF4-FFF2-40B4-BE49-F238E27FC236}">
-                <a16:creationId xmlns:a16="http://schemas.microsoft.com/office/drawing/2014/main" id="{BD976C13-68E6-4E25-B13E-FC3A2D3F66E3}"/>
-              </a:ext>
-              <a:ext uri="{C183D7F6-B498-43B3-948B-1728B52AA6E4}">
-                <adec:decorative xmlns:adec="http://schemas.microsoft.com/office/drawing/2017/decorative" val="1"/>
-              </a:ext>
-            </a:extLst>
-          </p:cNvPr>
-          <p:cNvSpPr>
-            <a:spLocks noGrp="1" noRot="1" noChangeAspect="1" noMove="1" noResize="1" noEditPoints="1" noAdjustHandles="1" noChangeArrowheads="1" noChangeShapeType="1" noTextEdit="1"/>
-          </p:cNvSpPr>
-          <p:nvPr>
-            <p:extLst>
-              <p:ext uri="{386F3935-93C4-4BCD-93E2-E3B085C9AB24}">
-                <p16:designElem xmlns:p16="http://schemas.microsoft.com/office/powerpoint/2015/main" val="1"/>
-              </p:ext>
-            </p:extLst>
-          </p:nvPr>
-        </p:nvSpPr>
-        <p:spPr>
-          <a:xfrm>
-            <a:off x="0" y="0"/>
-            <a:ext cx="12192000" cy="6858000"/>
-          </a:xfrm>
-          <a:prstGeom prst="rect">
-            <a:avLst/>
-          </a:prstGeom>
-          <a:ln>
-            <a:noFill/>
-          </a:ln>
-        </p:spPr>
-        <p:style>
-          <a:lnRef idx="2">
-            <a:schemeClr val="accent1">
-              <a:shade val="50000"/>
-            </a:schemeClr>
-          </a:lnRef>
-          <a:fillRef idx="1">
-            <a:schemeClr val="accent1"/>
-          </a:fillRef>
-          <a:effectRef idx="0">
-            <a:schemeClr val="accent1"/>
-          </a:effectRef>
-          <a:fontRef idx="minor">
-            <a:schemeClr val="lt1"/>
-          </a:fontRef>
-        </p:style>
-      </p:sp>
-      <p:sp>
-        <p:nvSpPr>
-          <p:cNvPr id="10" name="Rectangle 9">
-            <a:extLst>
-              <a:ext uri="{FF2B5EF4-FFF2-40B4-BE49-F238E27FC236}">
-                <a16:creationId xmlns:a16="http://schemas.microsoft.com/office/drawing/2014/main" id="{E2FE3A7B-DDFF-4F81-8AAE-11D96D138C0D}"/>
-              </a:ext>
-              <a:ext uri="{C183D7F6-B498-43B3-948B-1728B52AA6E4}">
-                <adec:decorative xmlns:adec="http://schemas.microsoft.com/office/drawing/2017/decorative" val="1"/>
-              </a:ext>
-            </a:extLst>
-          </p:cNvPr>
-          <p:cNvSpPr>
-            <a:spLocks noGrp="1" noRot="1" noChangeAspect="1" noMove="1" noResize="1" noEditPoints="1" noAdjustHandles="1" noChangeArrowheads="1" noChangeShapeType="1" noTextEdit="1"/>
-          </p:cNvSpPr>
-          <p:nvPr>
-            <p:extLst>
-              <p:ext uri="{386F3935-93C4-4BCD-93E2-E3B085C9AB24}">
-                <p16:designElem xmlns:p16="http://schemas.microsoft.com/office/powerpoint/2015/main" val="1"/>
-              </p:ext>
-            </p:extLst>
-          </p:nvPr>
-        </p:nvSpPr>
-        <p:spPr>
-          <a:xfrm>
-            <a:off x="0" y="0"/>
-            <a:ext cx="12192000" cy="6858000"/>
-          </a:xfrm>
-          <a:prstGeom prst="rect">
-            <a:avLst/>
-          </a:prstGeom>
-          <a:solidFill>
-            <a:schemeClr val="accent1"/>
-          </a:solidFill>
-          <a:ln>
-            <a:noFill/>
-          </a:ln>
-        </p:spPr>
-        <p:style>
-          <a:lnRef idx="2">
-            <a:schemeClr val="accent1">
-              <a:shade val="50000"/>
-            </a:schemeClr>
-          </a:lnRef>
-          <a:fillRef idx="1">
-            <a:schemeClr val="accent1"/>
-          </a:fillRef>
-          <a:effectRef idx="0">
-            <a:schemeClr val="accent1"/>
-          </a:effectRef>
-          <a:fontRef idx="minor">
-            <a:schemeClr val="lt1"/>
-          </a:fontRef>
-        </p:style>
-        <p:txBody>
-          <a:bodyPr rtlCol="0" anchor="ctr"/>
-          <a:lstStyle/>
-          <a:p>
-            <a:pPr algn="ctr"/>
-            <a:endParaRPr lang="en-US"/>
-          </a:p>
-        </p:txBody>
-      </p:sp>
-      <p:sp>
-        <p:nvSpPr>
-          <p:cNvPr id="12" name="Rectangle 11">
-            <a:extLst>
-              <a:ext uri="{FF2B5EF4-FFF2-40B4-BE49-F238E27FC236}">
-                <a16:creationId xmlns:a16="http://schemas.microsoft.com/office/drawing/2014/main" id="{69825ADD-F95C-4747-9B41-5DB21C28E6D2}"/>
-              </a:ext>
-              <a:ext uri="{C183D7F6-B498-43B3-948B-1728B52AA6E4}">
-                <adec:decorative xmlns:adec="http://schemas.microsoft.com/office/drawing/2017/decorative" val="1"/>
-              </a:ext>
-            </a:extLst>
-          </p:cNvPr>
-          <p:cNvSpPr>
-            <a:spLocks noGrp="1" noRot="1" noChangeAspect="1" noMove="1" noResize="1" noEditPoints="1" noAdjustHandles="1" noChangeArrowheads="1" noChangeShapeType="1" noTextEdit="1"/>
-          </p:cNvSpPr>
-          <p:nvPr>
-            <p:extLst>
-              <p:ext uri="{386F3935-93C4-4BCD-93E2-E3B085C9AB24}">
-                <p16:designElem xmlns:p16="http://schemas.microsoft.com/office/powerpoint/2015/main" val="1"/>
-              </p:ext>
-            </p:extLst>
-          </p:nvPr>
-        </p:nvSpPr>
-        <p:spPr>
-          <a:xfrm>
-            <a:off x="643467" y="643467"/>
-            <a:ext cx="10905065" cy="5571066"/>
-          </a:xfrm>
-          <a:prstGeom prst="rect">
-            <a:avLst/>
-          </a:prstGeom>
-          <a:noFill/>
-          <a:ln cap="sq">
-            <a:solidFill>
-              <a:srgbClr val="FFFFFF"/>
-            </a:solidFill>
-            <a:miter lim="800000"/>
-          </a:ln>
-        </p:spPr>
-        <p:style>
-          <a:lnRef idx="2">
-            <a:schemeClr val="accent1">
-              <a:shade val="50000"/>
-            </a:schemeClr>
-          </a:lnRef>
-          <a:fillRef idx="1">
-            <a:schemeClr val="accent1"/>
-          </a:fillRef>
-          <a:effectRef idx="0">
-            <a:schemeClr val="accent1"/>
-          </a:effectRef>
-          <a:fontRef idx="minor">
-            <a:schemeClr val="lt1"/>
-          </a:fontRef>
-        </p:style>
-        <p:txBody>
-          <a:bodyPr rtlCol="0" anchor="ctr"/>
-          <a:lstStyle/>
-          <a:p>
-            <a:pPr algn="ctr"/>
-            <a:endParaRPr lang="en-US"/>
-          </a:p>
-        </p:txBody>
-      </p:sp>
-      <p:sp>
-        <p:nvSpPr>
-          <p:cNvPr id="14" name="Rectangle 13">
-            <a:extLst>
-              <a:ext uri="{FF2B5EF4-FFF2-40B4-BE49-F238E27FC236}">
-                <a16:creationId xmlns:a16="http://schemas.microsoft.com/office/drawing/2014/main" id="{86791A8E-B2BA-467D-BB87-8CFBFB13AF9F}"/>
-              </a:ext>
-              <a:ext uri="{C183D7F6-B498-43B3-948B-1728B52AA6E4}">
-                <adec:decorative xmlns:adec="http://schemas.microsoft.com/office/drawing/2017/decorative" val="1"/>
-              </a:ext>
-            </a:extLst>
-          </p:cNvPr>
-          <p:cNvSpPr>
-            <a:spLocks noGrp="1" noRot="1" noChangeAspect="1" noMove="1" noResize="1" noEditPoints="1" noAdjustHandles="1" noChangeArrowheads="1" noChangeShapeType="1" noTextEdit="1"/>
-          </p:cNvSpPr>
-          <p:nvPr>
-            <p:extLst>
-              <p:ext uri="{386F3935-93C4-4BCD-93E2-E3B085C9AB24}">
-                <p16:designElem xmlns:p16="http://schemas.microsoft.com/office/powerpoint/2015/main" val="1"/>
-              </p:ext>
-            </p:extLst>
-          </p:nvPr>
-        </p:nvSpPr>
-        <p:spPr>
-          <a:xfrm>
-            <a:off x="723900" y="726948"/>
-            <a:ext cx="10744200" cy="5404104"/>
-          </a:xfrm>
-          <a:prstGeom prst="rect">
-            <a:avLst/>
-          </a:prstGeom>
-          <a:noFill/>
-          <a:ln cap="sq">
-            <a:solidFill>
-              <a:srgbClr val="FFFFFF"/>
-            </a:solidFill>
-            <a:miter lim="800000"/>
-          </a:ln>
-        </p:spPr>
-        <p:style>
-          <a:lnRef idx="2">
-            <a:schemeClr val="accent1">
-              <a:shade val="50000"/>
-            </a:schemeClr>
-          </a:lnRef>
-          <a:fillRef idx="1">
-            <a:schemeClr val="accent1"/>
-          </a:fillRef>
-          <a:effectRef idx="0">
-            <a:schemeClr val="accent1"/>
-          </a:effectRef>
-          <a:fontRef idx="minor">
-            <a:schemeClr val="lt1"/>
-          </a:fontRef>
-        </p:style>
-        <p:txBody>
-          <a:bodyPr rtlCol="0" anchor="ctr"/>
-          <a:lstStyle/>
-          <a:p>
-            <a:pPr algn="ctr"/>
-            <a:endParaRPr lang="en-US"/>
-          </a:p>
-        </p:txBody>
-      </p:sp>
-      <p:sp>
-        <p:nvSpPr>
-          <p:cNvPr id="2" name="Title 1">
-            <a:extLst>
-              <a:ext uri="{FF2B5EF4-FFF2-40B4-BE49-F238E27FC236}">
-                <a16:creationId xmlns:a16="http://schemas.microsoft.com/office/drawing/2014/main" id="{2E80D2BF-A82C-489B-A492-9081FD85B329}"/>
-              </a:ext>
-            </a:extLst>
-          </p:cNvPr>
-          <p:cNvSpPr>
-            <a:spLocks noGrp="1"/>
-          </p:cNvSpPr>
-          <p:nvPr>
-            <p:ph type="title"/>
-          </p:nvPr>
-        </p:nvSpPr>
-        <p:spPr>
-          <a:xfrm>
-            <a:off x="1286503" y="1285196"/>
-            <a:ext cx="9607160" cy="2779429"/>
-          </a:xfrm>
-        </p:spPr>
-        <p:txBody>
-          <a:bodyPr vert="horz" lIns="91440" tIns="45720" rIns="91440" bIns="45720" rtlCol="0" anchor="b">
-            <a:normAutofit fontScale="90000"/>
-          </a:bodyPr>
-          <a:lstStyle/>
-          <a:p>
-            <a:pPr algn="ctr">
-              <a:lnSpc>
-                <a:spcPct val="80000"/>
-              </a:lnSpc>
-            </a:pPr>
-            <a:r>
-              <a:rPr lang="en-US" sz="7200" dirty="0">
-                <a:solidFill>
-                  <a:srgbClr val="FFFFFF"/>
-                </a:solidFill>
-              </a:rPr>
-              <a:t>What is it?</a:t>
-            </a:r>
-            <a:br>
-              <a:rPr lang="en-US" sz="7200" dirty="0">
-                <a:solidFill>
-                  <a:srgbClr val="FFFFFF"/>
-                </a:solidFill>
-              </a:rPr>
-            </a:br>
-            <a:br>
-              <a:rPr lang="en-US" sz="7200" dirty="0">
-                <a:solidFill>
-                  <a:srgbClr val="FFFFFF"/>
-                </a:solidFill>
-              </a:rPr>
-            </a:br>
-            <a:r>
-              <a:rPr lang="en-US" sz="9600" dirty="0">
-                <a:solidFill>
-                  <a:schemeClr val="bg2"/>
-                </a:solidFill>
-              </a:rPr>
-              <a:t>Demo</a:t>
-            </a:r>
-          </a:p>
-        </p:txBody>
-      </p:sp>
-    </p:spTree>
-    <p:extLst>
-      <p:ext uri="{BB962C8B-B14F-4D97-AF65-F5344CB8AC3E}">
-        <p14:creationId xmlns:p14="http://schemas.microsoft.com/office/powerpoint/2010/main" val="131994704"/>
-      </p:ext>
-    </p:extLst>
-  </p:cSld>
-  <p:clrMapOvr>
-    <a:overrideClrMapping bg1="dk1" tx1="lt1" bg2="dk2" tx2="lt2" accent1="accent1" accent2="accent2" accent3="accent3" accent4="accent4" accent5="accent5" accent6="accent6" hlink="hlink" folHlink="folHlink"/>
-  </p:clrMapOvr>
-</p:sld>
-</file>
-
-<file path=ppt/slides/slide3.xml><?xml version="1.0" encoding="utf-8"?>
 <p:sld xmlns:a="http://schemas.openxmlformats.org/drawingml/2006/main" xmlns:r="http://schemas.openxmlformats.org/officeDocument/2006/relationships" xmlns:p="http://schemas.openxmlformats.org/presentationml/2006/main">
   <p:cSld>
     <p:bg>
@@ -12710,14 +12386,14 @@
             <p:ph idx="1"/>
             <p:extLst>
               <p:ext uri="{D42A27DB-BD31-4B8C-83A1-F6EECF244321}">
-                <p14:modId xmlns:p14="http://schemas.microsoft.com/office/powerpoint/2010/main" val="780499206"/>
+                <p14:modId xmlns:p14="http://schemas.microsoft.com/office/powerpoint/2010/main" val="227842113"/>
               </p:ext>
             </p:extLst>
           </p:nvPr>
         </p:nvGraphicFramePr>
         <p:xfrm>
-          <a:off x="5288347" y="639763"/>
-          <a:ext cx="6254724" cy="5492750"/>
+          <a:off x="4286250" y="639763"/>
+          <a:ext cx="7256821" cy="5492750"/>
         </p:xfrm>
         <a:graphic>
           <a:graphicData uri="http://schemas.openxmlformats.org/drawingml/2006/diagram">
@@ -12738,7 +12414,7 @@
 </p:sld>
 </file>
 
-<file path=ppt/slides/slide4.xml><?xml version="1.0" encoding="utf-8"?>
+<file path=ppt/slides/slide3.xml><?xml version="1.0" encoding="utf-8"?>
 <p:sld xmlns:a="http://schemas.openxmlformats.org/drawingml/2006/main" xmlns:r="http://schemas.openxmlformats.org/officeDocument/2006/relationships" xmlns:p="http://schemas.openxmlformats.org/presentationml/2006/main">
   <p:cSld>
     <p:bg>
@@ -12917,7 +12593,7 @@
                   <a:srgbClr val="FFFFFF"/>
                 </a:solidFill>
               </a:rPr>
-              <a:t>Community Crime rate </a:t>
+              <a:t>Community Crime rate                                                       Property value </a:t>
             </a:r>
           </a:p>
         </p:txBody>
@@ -13118,6 +12794,47 @@
           </a:fontRef>
         </p:style>
       </p:cxnSp>
+      <p:sp>
+        <p:nvSpPr>
+          <p:cNvPr id="3" name="Rectangle 2">
+            <a:extLst>
+              <a:ext uri="{FF2B5EF4-FFF2-40B4-BE49-F238E27FC236}">
+                <a16:creationId xmlns:a16="http://schemas.microsoft.com/office/drawing/2014/main" id="{70A17004-40B6-4A81-AA39-3D867AF29A8F}"/>
+              </a:ext>
+            </a:extLst>
+          </p:cNvPr>
+          <p:cNvSpPr/>
+          <p:nvPr/>
+        </p:nvSpPr>
+        <p:spPr>
+          <a:xfrm>
+            <a:off x="457201" y="5680893"/>
+            <a:ext cx="4991099" cy="646331"/>
+          </a:xfrm>
+          <a:prstGeom prst="rect">
+            <a:avLst/>
+          </a:prstGeom>
+        </p:spPr>
+        <p:txBody>
+          <a:bodyPr wrap="square">
+            <a:spAutoFit/>
+          </a:bodyPr>
+          <a:lstStyle/>
+          <a:p>
+            <a:r>
+              <a:rPr lang="en-CA" dirty="0"/>
+              <a:t>Total number of crime:</a:t>
+            </a:r>
+            <a:endParaRPr lang="en-CA" b="1" dirty="0"/>
+          </a:p>
+          <a:p>
+            <a:r>
+              <a:rPr lang="en-CA" dirty="0"/>
+              <a:t>55252</a:t>
+            </a:r>
+          </a:p>
+        </p:txBody>
+      </p:sp>
     </p:spTree>
     <p:extLst>
       <p:ext uri="{BB962C8B-B14F-4D97-AF65-F5344CB8AC3E}">
@@ -13127,6 +12844,545 @@
   </p:cSld>
   <p:clrMapOvr>
     <a:overrideClrMapping bg1="dk1" tx1="lt1" bg2="dk2" tx2="lt2" accent1="accent1" accent2="accent2" accent3="accent3" accent4="accent4" accent5="accent5" accent6="accent6" hlink="hlink" folHlink="folHlink"/>
+  </p:clrMapOvr>
+</p:sld>
+</file>
+
+<file path=ppt/slides/slide4.xml><?xml version="1.0" encoding="utf-8"?>
+<p:sld xmlns:a="http://schemas.openxmlformats.org/drawingml/2006/main" xmlns:r="http://schemas.openxmlformats.org/officeDocument/2006/relationships" xmlns:p="http://schemas.openxmlformats.org/presentationml/2006/main">
+  <p:cSld>
+    <p:bg>
+      <p:bgPr>
+        <a:solidFill>
+          <a:schemeClr val="bg1"/>
+        </a:solidFill>
+        <a:effectLst/>
+      </p:bgPr>
+    </p:bg>
+    <p:spTree>
+      <p:nvGrpSpPr>
+        <p:cNvPr id="1" name=""/>
+        <p:cNvGrpSpPr/>
+        <p:nvPr/>
+      </p:nvGrpSpPr>
+      <p:grpSpPr>
+        <a:xfrm>
+          <a:off x="0" y="0"/>
+          <a:ext cx="0" cy="0"/>
+          <a:chOff x="0" y="0"/>
+          <a:chExt cx="0" cy="0"/>
+        </a:xfrm>
+      </p:grpSpPr>
+      <p:sp>
+        <p:nvSpPr>
+          <p:cNvPr id="71" name="Rectangle 70">
+            <a:extLst>
+              <a:ext uri="{FF2B5EF4-FFF2-40B4-BE49-F238E27FC236}">
+                <a16:creationId xmlns:a16="http://schemas.microsoft.com/office/drawing/2014/main" id="{D6EA1A26-163F-4F15-91F4-F2C51AC9C106}"/>
+              </a:ext>
+              <a:ext uri="{C183D7F6-B498-43B3-948B-1728B52AA6E4}">
+                <adec:decorative xmlns:adec="http://schemas.microsoft.com/office/drawing/2017/decorative" val="1"/>
+              </a:ext>
+            </a:extLst>
+          </p:cNvPr>
+          <p:cNvSpPr>
+            <a:spLocks noGrp="1" noRot="1" noChangeAspect="1" noMove="1" noResize="1" noEditPoints="1" noAdjustHandles="1" noChangeArrowheads="1" noChangeShapeType="1" noTextEdit="1"/>
+          </p:cNvSpPr>
+          <p:nvPr>
+            <p:extLst>
+              <p:ext uri="{386F3935-93C4-4BCD-93E2-E3B085C9AB24}">
+                <p16:designElem xmlns:p16="http://schemas.microsoft.com/office/powerpoint/2015/main" val="1"/>
+              </p:ext>
+            </p:extLst>
+          </p:nvPr>
+        </p:nvSpPr>
+        <p:spPr>
+          <a:xfrm>
+            <a:off x="7555992" y="0"/>
+            <a:ext cx="4636008" cy="6858000"/>
+          </a:xfrm>
+          <a:prstGeom prst="rect">
+            <a:avLst/>
+          </a:prstGeom>
+          <a:solidFill>
+            <a:schemeClr val="accent1"/>
+          </a:solidFill>
+          <a:ln>
+            <a:noFill/>
+          </a:ln>
+        </p:spPr>
+        <p:style>
+          <a:lnRef idx="2">
+            <a:schemeClr val="accent1">
+              <a:shade val="50000"/>
+            </a:schemeClr>
+          </a:lnRef>
+          <a:fillRef idx="1">
+            <a:schemeClr val="accent1"/>
+          </a:fillRef>
+          <a:effectRef idx="0">
+            <a:schemeClr val="accent1"/>
+          </a:effectRef>
+          <a:fontRef idx="minor">
+            <a:schemeClr val="lt1"/>
+          </a:fontRef>
+        </p:style>
+        <p:txBody>
+          <a:bodyPr rtlCol="0" anchor="ctr"/>
+          <a:lstStyle/>
+          <a:p>
+            <a:pPr algn="ctr"/>
+            <a:endParaRPr lang="en-US"/>
+          </a:p>
+        </p:txBody>
+      </p:sp>
+      <p:sp>
+        <p:nvSpPr>
+          <p:cNvPr id="2" name="Title 1">
+            <a:extLst>
+              <a:ext uri="{FF2B5EF4-FFF2-40B4-BE49-F238E27FC236}">
+                <a16:creationId xmlns:a16="http://schemas.microsoft.com/office/drawing/2014/main" id="{AD5E1688-1DCC-4C67-BEA4-2F620A96DDA8}"/>
+              </a:ext>
+            </a:extLst>
+          </p:cNvPr>
+          <p:cNvSpPr>
+            <a:spLocks noGrp="1"/>
+          </p:cNvSpPr>
+          <p:nvPr>
+            <p:ph type="title"/>
+          </p:nvPr>
+        </p:nvSpPr>
+        <p:spPr>
+          <a:xfrm>
+            <a:off x="8136666" y="249767"/>
+            <a:ext cx="3401568" cy="1920240"/>
+          </a:xfrm>
+        </p:spPr>
+        <p:txBody>
+          <a:bodyPr anchor="b">
+            <a:normAutofit/>
+          </a:bodyPr>
+          <a:lstStyle/>
+          <a:p>
+            <a:r>
+              <a:rPr lang="en-US" sz="4000" dirty="0">
+                <a:solidFill>
+                  <a:srgbClr val="FFFFFF"/>
+                </a:solidFill>
+              </a:rPr>
+              <a:t>Motivation to raise property values</a:t>
+            </a:r>
+            <a:endParaRPr lang="en-CA" sz="4000" dirty="0">
+              <a:solidFill>
+                <a:srgbClr val="FFFFFF"/>
+              </a:solidFill>
+            </a:endParaRPr>
+          </a:p>
+        </p:txBody>
+      </p:sp>
+      <p:pic>
+        <p:nvPicPr>
+          <p:cNvPr id="1026" name="Picture 2" descr="A close up of text on a white background&#10;&#10;Description automatically generated">
+            <a:extLst>
+              <a:ext uri="{FF2B5EF4-FFF2-40B4-BE49-F238E27FC236}">
+                <a16:creationId xmlns:a16="http://schemas.microsoft.com/office/drawing/2014/main" id="{8106A12B-7312-4344-BB64-B117EF841312}"/>
+              </a:ext>
+            </a:extLst>
+          </p:cNvPr>
+          <p:cNvPicPr>
+            <a:picLocks noChangeAspect="1" noChangeArrowheads="1"/>
+          </p:cNvPicPr>
+          <p:nvPr/>
+        </p:nvPicPr>
+        <p:blipFill rotWithShape="1">
+          <a:blip r:embed="rId2">
+            <a:extLst>
+              <a:ext uri="{28A0092B-C50C-407E-A947-70E740481C1C}">
+                <a14:useLocalDpi xmlns:a14="http://schemas.microsoft.com/office/drawing/2010/main" val="0"/>
+              </a:ext>
+            </a:extLst>
+          </a:blip>
+          <a:srcRect t="10997" r="-2" b="-2"/>
+          <a:stretch/>
+        </p:blipFill>
+        <p:spPr bwMode="auto">
+          <a:xfrm>
+            <a:off x="617220" y="634949"/>
+            <a:ext cx="6278529" cy="5588101"/>
+          </a:xfrm>
+          <a:prstGeom prst="rect">
+            <a:avLst/>
+          </a:prstGeom>
+          <a:noFill/>
+          <a:extLst>
+            <a:ext uri="{909E8E84-426E-40DD-AFC4-6F175D3DCCD1}">
+              <a14:hiddenFill xmlns:a14="http://schemas.microsoft.com/office/drawing/2010/main">
+                <a:solidFill>
+                  <a:srgbClr val="FFFFFF"/>
+                </a:solidFill>
+              </a14:hiddenFill>
+            </a:ext>
+          </a:extLst>
+        </p:spPr>
+      </p:pic>
+      <p:sp>
+        <p:nvSpPr>
+          <p:cNvPr id="3" name="Content Placeholder 2">
+            <a:extLst>
+              <a:ext uri="{FF2B5EF4-FFF2-40B4-BE49-F238E27FC236}">
+                <a16:creationId xmlns:a16="http://schemas.microsoft.com/office/drawing/2014/main" id="{100F1F3D-F181-4FE1-AB55-BC4BBE36FC2D}"/>
+              </a:ext>
+            </a:extLst>
+          </p:cNvPr>
+          <p:cNvSpPr>
+            <a:spLocks noGrp="1"/>
+          </p:cNvSpPr>
+          <p:nvPr>
+            <p:ph idx="1"/>
+          </p:nvPr>
+        </p:nvSpPr>
+        <p:spPr>
+          <a:xfrm>
+            <a:off x="8173212" y="2419773"/>
+            <a:ext cx="3401568" cy="3358092"/>
+          </a:xfrm>
+        </p:spPr>
+        <p:txBody>
+          <a:bodyPr>
+            <a:normAutofit/>
+          </a:bodyPr>
+          <a:lstStyle/>
+          <a:p>
+            <a:r>
+              <a:rPr lang="en-US" sz="2000" dirty="0"/>
+              <a:t>Data was collected from </a:t>
+            </a:r>
+            <a:r>
+              <a:rPr lang="en-US" sz="2000" b="1" dirty="0"/>
+              <a:t>crime rate, housing price </a:t>
+            </a:r>
+            <a:r>
+              <a:rPr lang="en-US" sz="2000" dirty="0"/>
+              <a:t>and </a:t>
+            </a:r>
+            <a:r>
+              <a:rPr lang="en-US" sz="2000" b="1" dirty="0"/>
+              <a:t>population density per neighborhood</a:t>
+            </a:r>
+            <a:r>
+              <a:rPr lang="en-US" sz="2000" dirty="0"/>
+              <a:t>.</a:t>
+            </a:r>
+          </a:p>
+          <a:p>
+            <a:r>
+              <a:rPr lang="en-CA" sz="1800" dirty="0"/>
+              <a:t>Less crime rate -0.09846..  </a:t>
+            </a:r>
+          </a:p>
+          <a:p>
+            <a:endParaRPr lang="en-US" sz="1800" dirty="0"/>
+          </a:p>
+          <a:p>
+            <a:endParaRPr lang="en-CA" sz="1800" dirty="0"/>
+          </a:p>
+        </p:txBody>
+      </p:sp>
+      <p:sp>
+        <p:nvSpPr>
+          <p:cNvPr id="4" name="TextBox 3">
+            <a:extLst>
+              <a:ext uri="{FF2B5EF4-FFF2-40B4-BE49-F238E27FC236}">
+                <a16:creationId xmlns:a16="http://schemas.microsoft.com/office/drawing/2014/main" id="{FAB24294-C800-4080-BF50-58FF18EE4029}"/>
+              </a:ext>
+            </a:extLst>
+          </p:cNvPr>
+          <p:cNvSpPr txBox="1"/>
+          <p:nvPr/>
+        </p:nvSpPr>
+        <p:spPr>
+          <a:xfrm>
+            <a:off x="1209675" y="6223050"/>
+            <a:ext cx="5105400" cy="369332"/>
+          </a:xfrm>
+          <a:prstGeom prst="rect">
+            <a:avLst/>
+          </a:prstGeom>
+          <a:noFill/>
+        </p:spPr>
+        <p:txBody>
+          <a:bodyPr wrap="square" rtlCol="0">
+            <a:spAutoFit/>
+          </a:bodyPr>
+          <a:lstStyle/>
+          <a:p>
+            <a:pPr algn="ctr"/>
+            <a:r>
+              <a:rPr lang="en-CA" b="1" dirty="0"/>
+              <a:t>Scatterplot crime rate</a:t>
+            </a:r>
+          </a:p>
+        </p:txBody>
+      </p:sp>
+      <p:graphicFrame>
+        <p:nvGraphicFramePr>
+          <p:cNvPr id="7" name="Table 6">
+            <a:extLst>
+              <a:ext uri="{FF2B5EF4-FFF2-40B4-BE49-F238E27FC236}">
+                <a16:creationId xmlns:a16="http://schemas.microsoft.com/office/drawing/2014/main" id="{523E2B4D-53C3-47CD-B8D1-0AAA172FD83C}"/>
+              </a:ext>
+            </a:extLst>
+          </p:cNvPr>
+          <p:cNvGraphicFramePr>
+            <a:graphicFrameLocks noGrp="1"/>
+          </p:cNvGraphicFramePr>
+          <p:nvPr>
+            <p:extLst>
+              <p:ext uri="{D42A27DB-BD31-4B8C-83A1-F6EECF244321}">
+                <p14:modId xmlns:p14="http://schemas.microsoft.com/office/powerpoint/2010/main" val="3210498243"/>
+              </p:ext>
+            </p:extLst>
+          </p:nvPr>
+        </p:nvGraphicFramePr>
+        <p:xfrm>
+          <a:off x="8211850" y="4250036"/>
+          <a:ext cx="3251200" cy="2157680"/>
+        </p:xfrm>
+        <a:graphic>
+          <a:graphicData uri="http://schemas.openxmlformats.org/drawingml/2006/table">
+            <a:tbl>
+              <a:tblPr firstRow="1" bandRow="1">
+                <a:tableStyleId>{5C22544A-7EE6-4342-B048-85BDC9FD1C3A}</a:tableStyleId>
+              </a:tblPr>
+              <a:tblGrid>
+                <a:gridCol w="1625600">
+                  <a:extLst>
+                    <a:ext uri="{9D8B030D-6E8A-4147-A177-3AD203B41FA5}">
+                      <a16:colId xmlns:a16="http://schemas.microsoft.com/office/drawing/2014/main" val="3149192951"/>
+                    </a:ext>
+                  </a:extLst>
+                </a:gridCol>
+                <a:gridCol w="1625600">
+                  <a:extLst>
+                    <a:ext uri="{9D8B030D-6E8A-4147-A177-3AD203B41FA5}">
+                      <a16:colId xmlns:a16="http://schemas.microsoft.com/office/drawing/2014/main" val="2821171680"/>
+                    </a:ext>
+                  </a:extLst>
+                </a:gridCol>
+              </a:tblGrid>
+              <a:tr h="370840">
+                <a:tc>
+                  <a:txBody>
+                    <a:bodyPr/>
+                    <a:lstStyle/>
+                    <a:p>
+                      <a:r>
+                        <a:rPr lang="en-CA" dirty="0"/>
+                        <a:t>Annual Crime Count </a:t>
+                      </a:r>
+                    </a:p>
+                  </a:txBody>
+                  <a:tcPr/>
+                </a:tc>
+                <a:tc>
+                  <a:txBody>
+                    <a:bodyPr/>
+                    <a:lstStyle/>
+                    <a:p>
+                      <a:r>
+                        <a:rPr lang="en-CA" dirty="0"/>
+                        <a:t>Average housing price</a:t>
+                      </a:r>
+                    </a:p>
+                  </a:txBody>
+                  <a:tcPr/>
+                </a:tc>
+                <a:extLst>
+                  <a:ext uri="{0D108BD9-81ED-4DB2-BD59-A6C34878D82A}">
+                    <a16:rowId xmlns:a16="http://schemas.microsoft.com/office/drawing/2014/main" val="2767409197"/>
+                  </a:ext>
+                </a:extLst>
+              </a:tr>
+              <a:tr h="370840">
+                <a:tc>
+                  <a:txBody>
+                    <a:bodyPr/>
+                    <a:lstStyle/>
+                    <a:p>
+                      <a:r>
+                        <a:rPr lang="en-CA" dirty="0"/>
+                        <a:t>1000</a:t>
+                      </a:r>
+                    </a:p>
+                  </a:txBody>
+                  <a:tcPr/>
+                </a:tc>
+                <a:tc>
+                  <a:txBody>
+                    <a:bodyPr/>
+                    <a:lstStyle/>
+                    <a:p>
+                      <a:r>
+                        <a:rPr lang="en-CA" dirty="0"/>
+                        <a:t>$ 318k</a:t>
+                      </a:r>
+                    </a:p>
+                  </a:txBody>
+                  <a:tcPr/>
+                </a:tc>
+                <a:extLst>
+                  <a:ext uri="{0D108BD9-81ED-4DB2-BD59-A6C34878D82A}">
+                    <a16:rowId xmlns:a16="http://schemas.microsoft.com/office/drawing/2014/main" val="974589072"/>
+                  </a:ext>
+                </a:extLst>
+              </a:tr>
+              <a:tr h="370840">
+                <a:tc>
+                  <a:txBody>
+                    <a:bodyPr/>
+                    <a:lstStyle/>
+                    <a:p>
+                      <a:r>
+                        <a:rPr lang="en-CA" dirty="0"/>
+                        <a:t>100</a:t>
+                      </a:r>
+                    </a:p>
+                  </a:txBody>
+                  <a:tcPr/>
+                </a:tc>
+                <a:tc>
+                  <a:txBody>
+                    <a:bodyPr/>
+                    <a:lstStyle/>
+                    <a:p>
+                      <a:r>
+                        <a:rPr lang="en-CA" dirty="0"/>
+                        <a:t>$ 399k</a:t>
+                      </a:r>
+                    </a:p>
+                  </a:txBody>
+                  <a:tcPr/>
+                </a:tc>
+                <a:extLst>
+                  <a:ext uri="{0D108BD9-81ED-4DB2-BD59-A6C34878D82A}">
+                    <a16:rowId xmlns:a16="http://schemas.microsoft.com/office/drawing/2014/main" val="2412398345"/>
+                  </a:ext>
+                </a:extLst>
+              </a:tr>
+              <a:tr h="370840">
+                <a:tc>
+                  <a:txBody>
+                    <a:bodyPr/>
+                    <a:lstStyle/>
+                    <a:p>
+                      <a:r>
+                        <a:rPr lang="en-CA" dirty="0"/>
+                        <a:t>10</a:t>
+                      </a:r>
+                    </a:p>
+                  </a:txBody>
+                  <a:tcPr/>
+                </a:tc>
+                <a:tc>
+                  <a:txBody>
+                    <a:bodyPr/>
+                    <a:lstStyle/>
+                    <a:p>
+                      <a:r>
+                        <a:rPr lang="en-CA" dirty="0"/>
+                        <a:t>$ 500k</a:t>
+                      </a:r>
+                    </a:p>
+                  </a:txBody>
+                  <a:tcPr/>
+                </a:tc>
+                <a:extLst>
+                  <a:ext uri="{0D108BD9-81ED-4DB2-BD59-A6C34878D82A}">
+                    <a16:rowId xmlns:a16="http://schemas.microsoft.com/office/drawing/2014/main" val="3022593481"/>
+                  </a:ext>
+                </a:extLst>
+              </a:tr>
+              <a:tr h="405080">
+                <a:tc>
+                  <a:txBody>
+                    <a:bodyPr/>
+                    <a:lstStyle/>
+                    <a:p>
+                      <a:r>
+                        <a:rPr lang="en-CA" dirty="0"/>
+                        <a:t>0</a:t>
+                      </a:r>
+                    </a:p>
+                  </a:txBody>
+                  <a:tcPr/>
+                </a:tc>
+                <a:tc>
+                  <a:txBody>
+                    <a:bodyPr/>
+                    <a:lstStyle/>
+                    <a:p>
+                      <a:r>
+                        <a:rPr lang="en-CA" dirty="0"/>
+                        <a:t>$ 628k</a:t>
+                      </a:r>
+                    </a:p>
+                  </a:txBody>
+                  <a:tcPr/>
+                </a:tc>
+                <a:extLst>
+                  <a:ext uri="{0D108BD9-81ED-4DB2-BD59-A6C34878D82A}">
+                    <a16:rowId xmlns:a16="http://schemas.microsoft.com/office/drawing/2014/main" val="1688163273"/>
+                  </a:ext>
+                </a:extLst>
+              </a:tr>
+            </a:tbl>
+          </a:graphicData>
+        </a:graphic>
+      </p:graphicFrame>
+      <p:sp>
+        <p:nvSpPr>
+          <p:cNvPr id="5" name="TextBox 4">
+            <a:extLst>
+              <a:ext uri="{FF2B5EF4-FFF2-40B4-BE49-F238E27FC236}">
+                <a16:creationId xmlns:a16="http://schemas.microsoft.com/office/drawing/2014/main" id="{6CD456D8-9B94-4494-871F-180A0EFA69AF}"/>
+              </a:ext>
+            </a:extLst>
+          </p:cNvPr>
+          <p:cNvSpPr txBox="1"/>
+          <p:nvPr/>
+        </p:nvSpPr>
+        <p:spPr>
+          <a:xfrm>
+            <a:off x="1457325" y="171450"/>
+            <a:ext cx="1868588" cy="369332"/>
+          </a:xfrm>
+          <a:prstGeom prst="rect">
+            <a:avLst/>
+          </a:prstGeom>
+          <a:noFill/>
+        </p:spPr>
+        <p:txBody>
+          <a:bodyPr wrap="none" rtlCol="0">
+            <a:spAutoFit/>
+          </a:bodyPr>
+          <a:lstStyle/>
+          <a:p>
+            <a:r>
+              <a:rPr lang="en-CA" b="1" dirty="0"/>
+              <a:t>Correlation : -0.33</a:t>
+            </a:r>
+          </a:p>
+        </p:txBody>
+      </p:sp>
+    </p:spTree>
+    <p:extLst>
+      <p:ext uri="{BB962C8B-B14F-4D97-AF65-F5344CB8AC3E}">
+        <p14:creationId xmlns:p14="http://schemas.microsoft.com/office/powerpoint/2010/main" val="2732737065"/>
+      </p:ext>
+    </p:extLst>
+  </p:cSld>
+  <p:clrMapOvr>
+    <a:masterClrMapping/>
   </p:clrMapOvr>
 </p:sld>
 </file>
@@ -13515,1048 +13771,6 @@
 </p:sld>
 </file>
 
-<file path=ppt/slides/slide7.xml><?xml version="1.0" encoding="utf-8"?>
-<p:sld xmlns:a="http://schemas.openxmlformats.org/drawingml/2006/main" xmlns:r="http://schemas.openxmlformats.org/officeDocument/2006/relationships" xmlns:p="http://schemas.openxmlformats.org/presentationml/2006/main">
-  <p:cSld>
-    <p:bg>
-      <p:bgPr>
-        <a:solidFill>
-          <a:schemeClr val="bg1">
-            <a:tint val="95000"/>
-            <a:satMod val="170000"/>
-          </a:schemeClr>
-        </a:solidFill>
-        <a:effectLst/>
-      </p:bgPr>
-    </p:bg>
-    <p:spTree>
-      <p:nvGrpSpPr>
-        <p:cNvPr id="1" name=""/>
-        <p:cNvGrpSpPr/>
-        <p:nvPr/>
-      </p:nvGrpSpPr>
-      <p:grpSpPr>
-        <a:xfrm>
-          <a:off x="0" y="0"/>
-          <a:ext cx="0" cy="0"/>
-          <a:chOff x="0" y="0"/>
-          <a:chExt cx="0" cy="0"/>
-        </a:xfrm>
-      </p:grpSpPr>
-      <p:sp useBgFill="1">
-        <p:nvSpPr>
-          <p:cNvPr id="78" name="Rectangle 77">
-            <a:extLst>
-              <a:ext uri="{FF2B5EF4-FFF2-40B4-BE49-F238E27FC236}">
-                <a16:creationId xmlns:a16="http://schemas.microsoft.com/office/drawing/2014/main" id="{61B2A784-4501-42A8-86DF-DB27DE395089}"/>
-              </a:ext>
-              <a:ext uri="{C183D7F6-B498-43B3-948B-1728B52AA6E4}">
-                <adec:decorative xmlns:adec="http://schemas.microsoft.com/office/drawing/2017/decorative" val="1"/>
-              </a:ext>
-            </a:extLst>
-          </p:cNvPr>
-          <p:cNvSpPr>
-            <a:spLocks noGrp="1" noRot="1" noChangeAspect="1" noMove="1" noResize="1" noEditPoints="1" noAdjustHandles="1" noChangeArrowheads="1" noChangeShapeType="1" noTextEdit="1"/>
-          </p:cNvSpPr>
-          <p:nvPr>
-            <p:extLst>
-              <p:ext uri="{386F3935-93C4-4BCD-93E2-E3B085C9AB24}">
-                <p16:designElem xmlns:p16="http://schemas.microsoft.com/office/powerpoint/2015/main" val="1"/>
-              </p:ext>
-            </p:extLst>
-          </p:nvPr>
-        </p:nvSpPr>
-        <p:spPr>
-          <a:xfrm>
-            <a:off x="0" y="0"/>
-            <a:ext cx="12188256" cy="6858000"/>
-          </a:xfrm>
-          <a:prstGeom prst="rect">
-            <a:avLst/>
-          </a:prstGeom>
-          <a:ln>
-            <a:noFill/>
-          </a:ln>
-        </p:spPr>
-        <p:style>
-          <a:lnRef idx="2">
-            <a:schemeClr val="accent1">
-              <a:shade val="50000"/>
-            </a:schemeClr>
-          </a:lnRef>
-          <a:fillRef idx="1">
-            <a:schemeClr val="accent1"/>
-          </a:fillRef>
-          <a:effectRef idx="0">
-            <a:schemeClr val="accent1"/>
-          </a:effectRef>
-          <a:fontRef idx="minor">
-            <a:schemeClr val="lt1"/>
-          </a:fontRef>
-        </p:style>
-        <p:txBody>
-          <a:bodyPr rtlCol="0" anchor="ctr"/>
-          <a:lstStyle/>
-          <a:p>
-            <a:pPr marL="0" marR="0" lvl="0" indent="0" algn="ctr" defTabSz="914400" rtl="0" eaLnBrk="1" fontAlgn="auto" latinLnBrk="0" hangingPunct="1">
-              <a:lnSpc>
-                <a:spcPct val="100000"/>
-              </a:lnSpc>
-              <a:spcBef>
-                <a:spcPts val="0"/>
-              </a:spcBef>
-              <a:spcAft>
-                <a:spcPts val="0"/>
-              </a:spcAft>
-              <a:buClrTx/>
-              <a:buSzTx/>
-              <a:buFontTx/>
-              <a:buNone/>
-              <a:tabLst/>
-              <a:defRPr/>
-            </a:pPr>
-            <a:endParaRPr kumimoji="0" lang="en-US" sz="1800" b="0" i="0" u="none" strike="noStrike" kern="1200" cap="none" spc="0" normalizeH="0" baseline="0" noProof="0">
-              <a:ln>
-                <a:noFill/>
-              </a:ln>
-              <a:solidFill>
-                <a:prstClr val="white"/>
-              </a:solidFill>
-              <a:effectLst/>
-              <a:uLnTx/>
-              <a:uFillTx/>
-              <a:latin typeface="Calibri Light" panose="020F0302020204030204"/>
-              <a:ea typeface="+mn-ea"/>
-              <a:cs typeface="+mn-cs"/>
-            </a:endParaRPr>
-          </a:p>
-        </p:txBody>
-      </p:sp>
-      <p:sp>
-        <p:nvSpPr>
-          <p:cNvPr id="2" name="Title 1">
-            <a:extLst>
-              <a:ext uri="{FF2B5EF4-FFF2-40B4-BE49-F238E27FC236}">
-                <a16:creationId xmlns:a16="http://schemas.microsoft.com/office/drawing/2014/main" id="{C41F41C1-7BA2-4F3A-82D9-140E90582B49}"/>
-              </a:ext>
-            </a:extLst>
-          </p:cNvPr>
-          <p:cNvSpPr>
-            <a:spLocks noGrp="1"/>
-          </p:cNvSpPr>
-          <p:nvPr>
-            <p:ph type="title"/>
-          </p:nvPr>
-        </p:nvSpPr>
-        <p:spPr>
-          <a:xfrm>
-            <a:off x="6476772" y="1144980"/>
-            <a:ext cx="5063458" cy="1560716"/>
-          </a:xfrm>
-        </p:spPr>
-        <p:txBody>
-          <a:bodyPr vert="horz" lIns="91440" tIns="45720" rIns="91440" bIns="45720" rtlCol="0">
-            <a:normAutofit/>
-          </a:bodyPr>
-          <a:lstStyle/>
-          <a:p>
-            <a:r>
-              <a:rPr lang="en-US" dirty="0">
-                <a:solidFill>
-                  <a:srgbClr val="FF8F67"/>
-                </a:solidFill>
-              </a:rPr>
-              <a:t>Crime Rate</a:t>
-            </a:r>
-          </a:p>
-        </p:txBody>
-      </p:sp>
-      <p:sp>
-        <p:nvSpPr>
-          <p:cNvPr id="80" name="Rectangle 79">
-            <a:extLst>
-              <a:ext uri="{FF2B5EF4-FFF2-40B4-BE49-F238E27FC236}">
-                <a16:creationId xmlns:a16="http://schemas.microsoft.com/office/drawing/2014/main" id="{88E62604-C40E-4D56-9D66-FD94B0CA40CB}"/>
-              </a:ext>
-              <a:ext uri="{C183D7F6-B498-43B3-948B-1728B52AA6E4}">
-                <adec:decorative xmlns:adec="http://schemas.microsoft.com/office/drawing/2017/decorative" val="1"/>
-              </a:ext>
-            </a:extLst>
-          </p:cNvPr>
-          <p:cNvSpPr>
-            <a:spLocks noGrp="1" noRot="1" noChangeAspect="1" noMove="1" noResize="1" noEditPoints="1" noAdjustHandles="1" noChangeArrowheads="1" noChangeShapeType="1" noTextEdit="1"/>
-          </p:cNvSpPr>
-          <p:nvPr>
-            <p:extLst>
-              <p:ext uri="{386F3935-93C4-4BCD-93E2-E3B085C9AB24}">
-                <p16:designElem xmlns:p16="http://schemas.microsoft.com/office/powerpoint/2015/main" val="1"/>
-              </p:ext>
-            </p:extLst>
-          </p:nvPr>
-        </p:nvSpPr>
-        <p:spPr>
-          <a:xfrm>
-            <a:off x="705498" y="0"/>
-            <a:ext cx="4901184" cy="2616751"/>
-          </a:xfrm>
-          <a:prstGeom prst="rect">
-            <a:avLst/>
-          </a:prstGeom>
-          <a:solidFill>
-            <a:schemeClr val="tx1"/>
-          </a:solidFill>
-          <a:ln>
-            <a:noFill/>
-          </a:ln>
-        </p:spPr>
-        <p:style>
-          <a:lnRef idx="2">
-            <a:schemeClr val="accent1">
-              <a:shade val="50000"/>
-            </a:schemeClr>
-          </a:lnRef>
-          <a:fillRef idx="1">
-            <a:schemeClr val="accent1"/>
-          </a:fillRef>
-          <a:effectRef idx="0">
-            <a:schemeClr val="accent1"/>
-          </a:effectRef>
-          <a:fontRef idx="minor">
-            <a:schemeClr val="lt1"/>
-          </a:fontRef>
-        </p:style>
-        <p:txBody>
-          <a:bodyPr rtlCol="0" anchor="ctr"/>
-          <a:lstStyle/>
-          <a:p>
-            <a:pPr marL="0" marR="0" lvl="0" indent="0" algn="ctr" defTabSz="914400" rtl="0" eaLnBrk="1" fontAlgn="auto" latinLnBrk="0" hangingPunct="1">
-              <a:lnSpc>
-                <a:spcPct val="100000"/>
-              </a:lnSpc>
-              <a:spcBef>
-                <a:spcPts val="0"/>
-              </a:spcBef>
-              <a:spcAft>
-                <a:spcPts val="0"/>
-              </a:spcAft>
-              <a:buClrTx/>
-              <a:buSzTx/>
-              <a:buFontTx/>
-              <a:buNone/>
-              <a:tabLst/>
-              <a:defRPr/>
-            </a:pPr>
-            <a:endParaRPr kumimoji="0" lang="en-US" sz="1800" b="0" i="0" u="none" strike="noStrike" kern="1200" cap="none" spc="0" normalizeH="0" baseline="0" noProof="0">
-              <a:ln>
-                <a:noFill/>
-              </a:ln>
-              <a:solidFill>
-                <a:prstClr val="white"/>
-              </a:solidFill>
-              <a:effectLst/>
-              <a:uLnTx/>
-              <a:uFillTx/>
-              <a:latin typeface="Calibri Light" panose="020F0302020204030204"/>
-              <a:ea typeface="+mn-ea"/>
-              <a:cs typeface="+mn-cs"/>
-            </a:endParaRPr>
-          </a:p>
-        </p:txBody>
-      </p:sp>
-      <p:pic>
-        <p:nvPicPr>
-          <p:cNvPr id="3074" name="Picture 2">
-            <a:extLst>
-              <a:ext uri="{FF2B5EF4-FFF2-40B4-BE49-F238E27FC236}">
-                <a16:creationId xmlns:a16="http://schemas.microsoft.com/office/drawing/2014/main" id="{0756A8D4-2DB0-4935-BAB4-EB9BB5AE2DA1}"/>
-              </a:ext>
-            </a:extLst>
-          </p:cNvPr>
-          <p:cNvPicPr>
-            <a:picLocks noChangeAspect="1" noChangeArrowheads="1"/>
-          </p:cNvPicPr>
-          <p:nvPr/>
-        </p:nvPicPr>
-        <p:blipFill>
-          <a:blip r:embed="rId2">
-            <a:extLst>
-              <a:ext uri="{28A0092B-C50C-407E-A947-70E740481C1C}">
-                <a14:useLocalDpi xmlns:a14="http://schemas.microsoft.com/office/drawing/2010/main" val="0"/>
-              </a:ext>
-            </a:extLst>
-          </a:blip>
-          <a:stretch>
-            <a:fillRect/>
-          </a:stretch>
-        </p:blipFill>
-        <p:spPr bwMode="auto">
-          <a:xfrm>
-            <a:off x="1642105" y="179614"/>
-            <a:ext cx="3027970" cy="2270978"/>
-          </a:xfrm>
-          <a:prstGeom prst="rect">
-            <a:avLst/>
-          </a:prstGeom>
-          <a:noFill/>
-          <a:extLst>
-            <a:ext uri="{909E8E84-426E-40DD-AFC4-6F175D3DCCD1}">
-              <a14:hiddenFill xmlns:a14="http://schemas.microsoft.com/office/drawing/2010/main">
-                <a:solidFill>
-                  <a:srgbClr val="FFFFFF"/>
-                </a:solidFill>
-              </a14:hiddenFill>
-            </a:ext>
-          </a:extLst>
-        </p:spPr>
-      </p:pic>
-      <p:sp>
-        <p:nvSpPr>
-          <p:cNvPr id="82" name="Rectangle 81">
-            <a:extLst>
-              <a:ext uri="{FF2B5EF4-FFF2-40B4-BE49-F238E27FC236}">
-                <a16:creationId xmlns:a16="http://schemas.microsoft.com/office/drawing/2014/main" id="{8A330AB8-A767-46C8-ABEF-2477854EF61D}"/>
-              </a:ext>
-              <a:ext uri="{C183D7F6-B498-43B3-948B-1728B52AA6E4}">
-                <adec:decorative xmlns:adec="http://schemas.microsoft.com/office/drawing/2017/decorative" val="1"/>
-              </a:ext>
-            </a:extLst>
-          </p:cNvPr>
-          <p:cNvSpPr>
-            <a:spLocks noGrp="1" noRot="1" noChangeAspect="1" noMove="1" noResize="1" noEditPoints="1" noAdjustHandles="1" noChangeArrowheads="1" noChangeShapeType="1" noTextEdit="1"/>
-          </p:cNvSpPr>
-          <p:nvPr>
-            <p:extLst>
-              <p:ext uri="{386F3935-93C4-4BCD-93E2-E3B085C9AB24}">
-                <p16:designElem xmlns:p16="http://schemas.microsoft.com/office/powerpoint/2015/main" val="1"/>
-              </p:ext>
-            </p:extLst>
-          </p:nvPr>
-        </p:nvSpPr>
-        <p:spPr>
-          <a:xfrm>
-            <a:off x="705498" y="2836942"/>
-            <a:ext cx="4901184" cy="4021058"/>
-          </a:xfrm>
-          <a:prstGeom prst="rect">
-            <a:avLst/>
-          </a:prstGeom>
-          <a:solidFill>
-            <a:schemeClr val="tx1"/>
-          </a:solidFill>
-          <a:ln>
-            <a:noFill/>
-          </a:ln>
-        </p:spPr>
-        <p:style>
-          <a:lnRef idx="2">
-            <a:schemeClr val="accent1">
-              <a:shade val="50000"/>
-            </a:schemeClr>
-          </a:lnRef>
-          <a:fillRef idx="1">
-            <a:schemeClr val="accent1"/>
-          </a:fillRef>
-          <a:effectRef idx="0">
-            <a:schemeClr val="accent1"/>
-          </a:effectRef>
-          <a:fontRef idx="minor">
-            <a:schemeClr val="lt1"/>
-          </a:fontRef>
-        </p:style>
-        <p:txBody>
-          <a:bodyPr rtlCol="0" anchor="ctr"/>
-          <a:lstStyle/>
-          <a:p>
-            <a:pPr marL="0" marR="0" lvl="0" indent="0" algn="ctr" defTabSz="914400" rtl="0" eaLnBrk="1" fontAlgn="auto" latinLnBrk="0" hangingPunct="1">
-              <a:lnSpc>
-                <a:spcPct val="100000"/>
-              </a:lnSpc>
-              <a:spcBef>
-                <a:spcPts val="0"/>
-              </a:spcBef>
-              <a:spcAft>
-                <a:spcPts val="0"/>
-              </a:spcAft>
-              <a:buClrTx/>
-              <a:buSzTx/>
-              <a:buFontTx/>
-              <a:buNone/>
-              <a:tabLst/>
-              <a:defRPr/>
-            </a:pPr>
-            <a:endParaRPr kumimoji="0" lang="en-US" sz="1800" b="0" i="0" u="none" strike="noStrike" kern="1200" cap="none" spc="0" normalizeH="0" baseline="0" noProof="0">
-              <a:ln>
-                <a:noFill/>
-              </a:ln>
-              <a:solidFill>
-                <a:prstClr val="white"/>
-              </a:solidFill>
-              <a:effectLst/>
-              <a:uLnTx/>
-              <a:uFillTx/>
-              <a:latin typeface="Calibri Light" panose="020F0302020204030204"/>
-              <a:ea typeface="+mn-ea"/>
-              <a:cs typeface="+mn-cs"/>
-            </a:endParaRPr>
-          </a:p>
-        </p:txBody>
-      </p:sp>
-      <p:pic>
-        <p:nvPicPr>
-          <p:cNvPr id="7" name="Picture 2">
-            <a:extLst>
-              <a:ext uri="{FF2B5EF4-FFF2-40B4-BE49-F238E27FC236}">
-                <a16:creationId xmlns:a16="http://schemas.microsoft.com/office/drawing/2014/main" id="{049EE194-0899-4D7C-B356-FCCF24117C00}"/>
-              </a:ext>
-            </a:extLst>
-          </p:cNvPr>
-          <p:cNvPicPr>
-            <a:picLocks noChangeAspect="1" noChangeArrowheads="1"/>
-          </p:cNvPicPr>
-          <p:nvPr/>
-        </p:nvPicPr>
-        <p:blipFill rotWithShape="1">
-          <a:blip r:embed="rId3">
-            <a:extLst>
-              <a:ext uri="{28A0092B-C50C-407E-A947-70E740481C1C}">
-                <a14:useLocalDpi xmlns:a14="http://schemas.microsoft.com/office/drawing/2010/main" val="0"/>
-              </a:ext>
-            </a:extLst>
-          </a:blip>
-          <a:srcRect t="12300" b="17941"/>
-          <a:stretch/>
-        </p:blipFill>
-        <p:spPr bwMode="auto">
-          <a:xfrm>
-            <a:off x="870090" y="3244118"/>
-            <a:ext cx="4572000" cy="3189381"/>
-          </a:xfrm>
-          <a:prstGeom prst="rect">
-            <a:avLst/>
-          </a:prstGeom>
-          <a:noFill/>
-          <a:extLst>
-            <a:ext uri="{909E8E84-426E-40DD-AFC4-6F175D3DCCD1}">
-              <a14:hiddenFill xmlns:a14="http://schemas.microsoft.com/office/drawing/2010/main">
-                <a:solidFill>
-                  <a:srgbClr val="FFFFFF"/>
-                </a:solidFill>
-              </a14:hiddenFill>
-            </a:ext>
-          </a:extLst>
-        </p:spPr>
-      </p:pic>
-      <p:sp>
-        <p:nvSpPr>
-          <p:cNvPr id="3083" name="Content Placeholder 3082">
-            <a:extLst>
-              <a:ext uri="{FF2B5EF4-FFF2-40B4-BE49-F238E27FC236}">
-                <a16:creationId xmlns:a16="http://schemas.microsoft.com/office/drawing/2014/main" id="{0872A143-C04C-4A7B-AFB8-AA1CD7D297CC}"/>
-              </a:ext>
-            </a:extLst>
-          </p:cNvPr>
-          <p:cNvSpPr>
-            <a:spLocks noGrp="1"/>
-          </p:cNvSpPr>
-          <p:nvPr>
-            <p:ph idx="1"/>
-          </p:nvPr>
-        </p:nvSpPr>
-        <p:spPr>
-          <a:xfrm>
-            <a:off x="6476772" y="2978639"/>
-            <a:ext cx="5063457" cy="2729196"/>
-          </a:xfrm>
-        </p:spPr>
-        <p:txBody>
-          <a:bodyPr>
-            <a:normAutofit/>
-          </a:bodyPr>
-          <a:lstStyle/>
-          <a:p>
-            <a:pPr marL="0" indent="0">
-              <a:buNone/>
-            </a:pPr>
-            <a:r>
-              <a:rPr lang="en-CA" dirty="0"/>
-              <a:t>Less crime rate -0.09846..  </a:t>
-            </a:r>
-          </a:p>
-          <a:p>
-            <a:pPr marL="0" indent="0">
-              <a:buNone/>
-            </a:pPr>
-            <a:r>
-              <a:rPr lang="en-CA" dirty="0"/>
-              <a:t>Total number of crime (</a:t>
-            </a:r>
-            <a:r>
-              <a:rPr lang="en-CA" b="1" dirty="0"/>
-              <a:t>2018 September – 2019 November) : </a:t>
-            </a:r>
-            <a:r>
-              <a:rPr lang="en-CA" dirty="0"/>
-              <a:t>55252</a:t>
-            </a:r>
-          </a:p>
-          <a:p>
-            <a:pPr marL="0" indent="0">
-              <a:buNone/>
-            </a:pPr>
-            <a:endParaRPr lang="en-CA" dirty="0"/>
-          </a:p>
-          <a:p>
-            <a:endParaRPr lang="en-CA" dirty="0"/>
-          </a:p>
-          <a:p>
-            <a:endParaRPr lang="en-US" dirty="0"/>
-          </a:p>
-        </p:txBody>
-      </p:sp>
-    </p:spTree>
-    <p:extLst>
-      <p:ext uri="{BB962C8B-B14F-4D97-AF65-F5344CB8AC3E}">
-        <p14:creationId xmlns:p14="http://schemas.microsoft.com/office/powerpoint/2010/main" val="259900479"/>
-      </p:ext>
-    </p:extLst>
-  </p:cSld>
-  <p:clrMapOvr>
-    <a:overrideClrMapping bg1="dk1" tx1="lt1" bg2="dk2" tx2="lt2" accent1="accent1" accent2="accent2" accent3="accent3" accent4="accent4" accent5="accent5" accent6="accent6" hlink="hlink" folHlink="folHlink"/>
-  </p:clrMapOvr>
-</p:sld>
-</file>
-
-<file path=ppt/slides/slide8.xml><?xml version="1.0" encoding="utf-8"?>
-<p:sld xmlns:a="http://schemas.openxmlformats.org/drawingml/2006/main" xmlns:r="http://schemas.openxmlformats.org/officeDocument/2006/relationships" xmlns:p="http://schemas.openxmlformats.org/presentationml/2006/main">
-  <p:cSld>
-    <p:bg>
-      <p:bgPr>
-        <a:solidFill>
-          <a:schemeClr val="bg1"/>
-        </a:solidFill>
-        <a:effectLst/>
-      </p:bgPr>
-    </p:bg>
-    <p:spTree>
-      <p:nvGrpSpPr>
-        <p:cNvPr id="1" name=""/>
-        <p:cNvGrpSpPr/>
-        <p:nvPr/>
-      </p:nvGrpSpPr>
-      <p:grpSpPr>
-        <a:xfrm>
-          <a:off x="0" y="0"/>
-          <a:ext cx="0" cy="0"/>
-          <a:chOff x="0" y="0"/>
-          <a:chExt cx="0" cy="0"/>
-        </a:xfrm>
-      </p:grpSpPr>
-      <p:sp>
-        <p:nvSpPr>
-          <p:cNvPr id="71" name="Rectangle 70">
-            <a:extLst>
-              <a:ext uri="{FF2B5EF4-FFF2-40B4-BE49-F238E27FC236}">
-                <a16:creationId xmlns:a16="http://schemas.microsoft.com/office/drawing/2014/main" id="{D6EA1A26-163F-4F15-91F4-F2C51AC9C106}"/>
-              </a:ext>
-              <a:ext uri="{C183D7F6-B498-43B3-948B-1728B52AA6E4}">
-                <adec:decorative xmlns:adec="http://schemas.microsoft.com/office/drawing/2017/decorative" val="1"/>
-              </a:ext>
-            </a:extLst>
-          </p:cNvPr>
-          <p:cNvSpPr>
-            <a:spLocks noGrp="1" noRot="1" noChangeAspect="1" noMove="1" noResize="1" noEditPoints="1" noAdjustHandles="1" noChangeArrowheads="1" noChangeShapeType="1" noTextEdit="1"/>
-          </p:cNvSpPr>
-          <p:nvPr>
-            <p:extLst>
-              <p:ext uri="{386F3935-93C4-4BCD-93E2-E3B085C9AB24}">
-                <p16:designElem xmlns:p16="http://schemas.microsoft.com/office/powerpoint/2015/main" val="1"/>
-              </p:ext>
-            </p:extLst>
-          </p:nvPr>
-        </p:nvSpPr>
-        <p:spPr>
-          <a:xfrm>
-            <a:off x="7555992" y="0"/>
-            <a:ext cx="4636008" cy="6858000"/>
-          </a:xfrm>
-          <a:prstGeom prst="rect">
-            <a:avLst/>
-          </a:prstGeom>
-          <a:solidFill>
-            <a:schemeClr val="accent1"/>
-          </a:solidFill>
-          <a:ln>
-            <a:noFill/>
-          </a:ln>
-        </p:spPr>
-        <p:style>
-          <a:lnRef idx="2">
-            <a:schemeClr val="accent1">
-              <a:shade val="50000"/>
-            </a:schemeClr>
-          </a:lnRef>
-          <a:fillRef idx="1">
-            <a:schemeClr val="accent1"/>
-          </a:fillRef>
-          <a:effectRef idx="0">
-            <a:schemeClr val="accent1"/>
-          </a:effectRef>
-          <a:fontRef idx="minor">
-            <a:schemeClr val="lt1"/>
-          </a:fontRef>
-        </p:style>
-        <p:txBody>
-          <a:bodyPr rtlCol="0" anchor="ctr"/>
-          <a:lstStyle/>
-          <a:p>
-            <a:pPr algn="ctr"/>
-            <a:endParaRPr lang="en-US"/>
-          </a:p>
-        </p:txBody>
-      </p:sp>
-      <p:sp>
-        <p:nvSpPr>
-          <p:cNvPr id="2" name="Title 1">
-            <a:extLst>
-              <a:ext uri="{FF2B5EF4-FFF2-40B4-BE49-F238E27FC236}">
-                <a16:creationId xmlns:a16="http://schemas.microsoft.com/office/drawing/2014/main" id="{AD5E1688-1DCC-4C67-BEA4-2F620A96DDA8}"/>
-              </a:ext>
-            </a:extLst>
-          </p:cNvPr>
-          <p:cNvSpPr>
-            <a:spLocks noGrp="1"/>
-          </p:cNvSpPr>
-          <p:nvPr>
-            <p:ph type="title"/>
-          </p:nvPr>
-        </p:nvSpPr>
-        <p:spPr>
-          <a:xfrm>
-            <a:off x="8136666" y="249767"/>
-            <a:ext cx="3401568" cy="1920240"/>
-          </a:xfrm>
-        </p:spPr>
-        <p:txBody>
-          <a:bodyPr anchor="b">
-            <a:normAutofit/>
-          </a:bodyPr>
-          <a:lstStyle/>
-          <a:p>
-            <a:r>
-              <a:rPr lang="en-US" sz="4000" dirty="0">
-                <a:solidFill>
-                  <a:srgbClr val="FFFFFF"/>
-                </a:solidFill>
-              </a:rPr>
-              <a:t>Motivation to raise property values</a:t>
-            </a:r>
-            <a:endParaRPr lang="en-CA" sz="4000" dirty="0">
-              <a:solidFill>
-                <a:srgbClr val="FFFFFF"/>
-              </a:solidFill>
-            </a:endParaRPr>
-          </a:p>
-        </p:txBody>
-      </p:sp>
-      <p:pic>
-        <p:nvPicPr>
-          <p:cNvPr id="1026" name="Picture 2" descr="A close up of text on a white background&#10;&#10;Description automatically generated">
-            <a:extLst>
-              <a:ext uri="{FF2B5EF4-FFF2-40B4-BE49-F238E27FC236}">
-                <a16:creationId xmlns:a16="http://schemas.microsoft.com/office/drawing/2014/main" id="{8106A12B-7312-4344-BB64-B117EF841312}"/>
-              </a:ext>
-            </a:extLst>
-          </p:cNvPr>
-          <p:cNvPicPr>
-            <a:picLocks noChangeAspect="1" noChangeArrowheads="1"/>
-          </p:cNvPicPr>
-          <p:nvPr/>
-        </p:nvPicPr>
-        <p:blipFill rotWithShape="1">
-          <a:blip r:embed="rId2">
-            <a:extLst>
-              <a:ext uri="{28A0092B-C50C-407E-A947-70E740481C1C}">
-                <a14:useLocalDpi xmlns:a14="http://schemas.microsoft.com/office/drawing/2010/main" val="0"/>
-              </a:ext>
-            </a:extLst>
-          </a:blip>
-          <a:srcRect t="10997" r="-2" b="-2"/>
-          <a:stretch/>
-        </p:blipFill>
-        <p:spPr bwMode="auto">
-          <a:xfrm>
-            <a:off x="617220" y="634949"/>
-            <a:ext cx="6278529" cy="5588101"/>
-          </a:xfrm>
-          <a:prstGeom prst="rect">
-            <a:avLst/>
-          </a:prstGeom>
-          <a:noFill/>
-          <a:extLst>
-            <a:ext uri="{909E8E84-426E-40DD-AFC4-6F175D3DCCD1}">
-              <a14:hiddenFill xmlns:a14="http://schemas.microsoft.com/office/drawing/2010/main">
-                <a:solidFill>
-                  <a:srgbClr val="FFFFFF"/>
-                </a:solidFill>
-              </a14:hiddenFill>
-            </a:ext>
-          </a:extLst>
-        </p:spPr>
-      </p:pic>
-      <p:sp>
-        <p:nvSpPr>
-          <p:cNvPr id="3" name="Content Placeholder 2">
-            <a:extLst>
-              <a:ext uri="{FF2B5EF4-FFF2-40B4-BE49-F238E27FC236}">
-                <a16:creationId xmlns:a16="http://schemas.microsoft.com/office/drawing/2014/main" id="{100F1F3D-F181-4FE1-AB55-BC4BBE36FC2D}"/>
-              </a:ext>
-            </a:extLst>
-          </p:cNvPr>
-          <p:cNvSpPr>
-            <a:spLocks noGrp="1"/>
-          </p:cNvSpPr>
-          <p:nvPr>
-            <p:ph idx="1"/>
-          </p:nvPr>
-        </p:nvSpPr>
-        <p:spPr>
-          <a:xfrm>
-            <a:off x="8173212" y="2419773"/>
-            <a:ext cx="3401568" cy="3358092"/>
-          </a:xfrm>
-        </p:spPr>
-        <p:txBody>
-          <a:bodyPr>
-            <a:normAutofit/>
-          </a:bodyPr>
-          <a:lstStyle/>
-          <a:p>
-            <a:r>
-              <a:rPr lang="en-US" sz="2000" dirty="0"/>
-              <a:t>Data was collected from </a:t>
-            </a:r>
-            <a:r>
-              <a:rPr lang="en-US" sz="2000" b="1" dirty="0"/>
-              <a:t>crime rate, housing price </a:t>
-            </a:r>
-            <a:r>
-              <a:rPr lang="en-US" sz="2000" dirty="0"/>
-              <a:t>and </a:t>
-            </a:r>
-            <a:r>
-              <a:rPr lang="en-US" sz="2000" b="1" dirty="0"/>
-              <a:t>population density per neighborhood</a:t>
-            </a:r>
-            <a:r>
-              <a:rPr lang="en-US" sz="2000" dirty="0"/>
-              <a:t>.</a:t>
-            </a:r>
-            <a:endParaRPr lang="en-US" sz="1800" dirty="0"/>
-          </a:p>
-          <a:p>
-            <a:endParaRPr lang="en-CA" sz="1800" dirty="0"/>
-          </a:p>
-        </p:txBody>
-      </p:sp>
-      <p:sp>
-        <p:nvSpPr>
-          <p:cNvPr id="4" name="TextBox 3">
-            <a:extLst>
-              <a:ext uri="{FF2B5EF4-FFF2-40B4-BE49-F238E27FC236}">
-                <a16:creationId xmlns:a16="http://schemas.microsoft.com/office/drawing/2014/main" id="{FAB24294-C800-4080-BF50-58FF18EE4029}"/>
-              </a:ext>
-            </a:extLst>
-          </p:cNvPr>
-          <p:cNvSpPr txBox="1"/>
-          <p:nvPr/>
-        </p:nvSpPr>
-        <p:spPr>
-          <a:xfrm>
-            <a:off x="1209675" y="6223050"/>
-            <a:ext cx="5105400" cy="369332"/>
-          </a:xfrm>
-          <a:prstGeom prst="rect">
-            <a:avLst/>
-          </a:prstGeom>
-          <a:noFill/>
-        </p:spPr>
-        <p:txBody>
-          <a:bodyPr wrap="square" rtlCol="0">
-            <a:spAutoFit/>
-          </a:bodyPr>
-          <a:lstStyle/>
-          <a:p>
-            <a:pPr algn="ctr"/>
-            <a:r>
-              <a:rPr lang="en-CA" b="1" dirty="0"/>
-              <a:t>Scatterplot crime rate</a:t>
-            </a:r>
-          </a:p>
-        </p:txBody>
-      </p:sp>
-      <p:graphicFrame>
-        <p:nvGraphicFramePr>
-          <p:cNvPr id="7" name="Table 6">
-            <a:extLst>
-              <a:ext uri="{FF2B5EF4-FFF2-40B4-BE49-F238E27FC236}">
-                <a16:creationId xmlns:a16="http://schemas.microsoft.com/office/drawing/2014/main" id="{523E2B4D-53C3-47CD-B8D1-0AAA172FD83C}"/>
-              </a:ext>
-            </a:extLst>
-          </p:cNvPr>
-          <p:cNvGraphicFramePr>
-            <a:graphicFrameLocks noGrp="1"/>
-          </p:cNvGraphicFramePr>
-          <p:nvPr>
-            <p:extLst>
-              <p:ext uri="{D42A27DB-BD31-4B8C-83A1-F6EECF244321}">
-                <p14:modId xmlns:p14="http://schemas.microsoft.com/office/powerpoint/2010/main" val="1558149214"/>
-              </p:ext>
-            </p:extLst>
-          </p:nvPr>
-        </p:nvGraphicFramePr>
-        <p:xfrm>
-          <a:off x="7946866" y="3728770"/>
-          <a:ext cx="3251200" cy="2157680"/>
-        </p:xfrm>
-        <a:graphic>
-          <a:graphicData uri="http://schemas.openxmlformats.org/drawingml/2006/table">
-            <a:tbl>
-              <a:tblPr firstRow="1" bandRow="1">
-                <a:tableStyleId>{5C22544A-7EE6-4342-B048-85BDC9FD1C3A}</a:tableStyleId>
-              </a:tblPr>
-              <a:tblGrid>
-                <a:gridCol w="1625600">
-                  <a:extLst>
-                    <a:ext uri="{9D8B030D-6E8A-4147-A177-3AD203B41FA5}">
-                      <a16:colId xmlns:a16="http://schemas.microsoft.com/office/drawing/2014/main" val="3149192951"/>
-                    </a:ext>
-                  </a:extLst>
-                </a:gridCol>
-                <a:gridCol w="1625600">
-                  <a:extLst>
-                    <a:ext uri="{9D8B030D-6E8A-4147-A177-3AD203B41FA5}">
-                      <a16:colId xmlns:a16="http://schemas.microsoft.com/office/drawing/2014/main" val="2821171680"/>
-                    </a:ext>
-                  </a:extLst>
-                </a:gridCol>
-              </a:tblGrid>
-              <a:tr h="370840">
-                <a:tc>
-                  <a:txBody>
-                    <a:bodyPr/>
-                    <a:lstStyle/>
-                    <a:p>
-                      <a:r>
-                        <a:rPr lang="en-CA" dirty="0"/>
-                        <a:t>Annual Crime Count </a:t>
-                      </a:r>
-                    </a:p>
-                  </a:txBody>
-                  <a:tcPr/>
-                </a:tc>
-                <a:tc>
-                  <a:txBody>
-                    <a:bodyPr/>
-                    <a:lstStyle/>
-                    <a:p>
-                      <a:r>
-                        <a:rPr lang="en-CA" dirty="0"/>
-                        <a:t>Average housing price</a:t>
-                      </a:r>
-                    </a:p>
-                  </a:txBody>
-                  <a:tcPr/>
-                </a:tc>
-                <a:extLst>
-                  <a:ext uri="{0D108BD9-81ED-4DB2-BD59-A6C34878D82A}">
-                    <a16:rowId xmlns:a16="http://schemas.microsoft.com/office/drawing/2014/main" val="2767409197"/>
-                  </a:ext>
-                </a:extLst>
-              </a:tr>
-              <a:tr h="370840">
-                <a:tc>
-                  <a:txBody>
-                    <a:bodyPr/>
-                    <a:lstStyle/>
-                    <a:p>
-                      <a:r>
-                        <a:rPr lang="en-CA" dirty="0"/>
-                        <a:t>1000</a:t>
-                      </a:r>
-                    </a:p>
-                  </a:txBody>
-                  <a:tcPr/>
-                </a:tc>
-                <a:tc>
-                  <a:txBody>
-                    <a:bodyPr/>
-                    <a:lstStyle/>
-                    <a:p>
-                      <a:r>
-                        <a:rPr lang="en-CA" dirty="0"/>
-                        <a:t>$ 318k</a:t>
-                      </a:r>
-                    </a:p>
-                  </a:txBody>
-                  <a:tcPr/>
-                </a:tc>
-                <a:extLst>
-                  <a:ext uri="{0D108BD9-81ED-4DB2-BD59-A6C34878D82A}">
-                    <a16:rowId xmlns:a16="http://schemas.microsoft.com/office/drawing/2014/main" val="974589072"/>
-                  </a:ext>
-                </a:extLst>
-              </a:tr>
-              <a:tr h="370840">
-                <a:tc>
-                  <a:txBody>
-                    <a:bodyPr/>
-                    <a:lstStyle/>
-                    <a:p>
-                      <a:r>
-                        <a:rPr lang="en-CA" dirty="0"/>
-                        <a:t>100</a:t>
-                      </a:r>
-                    </a:p>
-                  </a:txBody>
-                  <a:tcPr/>
-                </a:tc>
-                <a:tc>
-                  <a:txBody>
-                    <a:bodyPr/>
-                    <a:lstStyle/>
-                    <a:p>
-                      <a:r>
-                        <a:rPr lang="en-CA" dirty="0"/>
-                        <a:t>$ 399k</a:t>
-                      </a:r>
-                    </a:p>
-                  </a:txBody>
-                  <a:tcPr/>
-                </a:tc>
-                <a:extLst>
-                  <a:ext uri="{0D108BD9-81ED-4DB2-BD59-A6C34878D82A}">
-                    <a16:rowId xmlns:a16="http://schemas.microsoft.com/office/drawing/2014/main" val="2412398345"/>
-                  </a:ext>
-                </a:extLst>
-              </a:tr>
-              <a:tr h="370840">
-                <a:tc>
-                  <a:txBody>
-                    <a:bodyPr/>
-                    <a:lstStyle/>
-                    <a:p>
-                      <a:r>
-                        <a:rPr lang="en-CA" dirty="0"/>
-                        <a:t>10</a:t>
-                      </a:r>
-                    </a:p>
-                  </a:txBody>
-                  <a:tcPr/>
-                </a:tc>
-                <a:tc>
-                  <a:txBody>
-                    <a:bodyPr/>
-                    <a:lstStyle/>
-                    <a:p>
-                      <a:r>
-                        <a:rPr lang="en-CA" dirty="0"/>
-                        <a:t>$ 500k</a:t>
-                      </a:r>
-                    </a:p>
-                  </a:txBody>
-                  <a:tcPr/>
-                </a:tc>
-                <a:extLst>
-                  <a:ext uri="{0D108BD9-81ED-4DB2-BD59-A6C34878D82A}">
-                    <a16:rowId xmlns:a16="http://schemas.microsoft.com/office/drawing/2014/main" val="3022593481"/>
-                  </a:ext>
-                </a:extLst>
-              </a:tr>
-              <a:tr h="405080">
-                <a:tc>
-                  <a:txBody>
-                    <a:bodyPr/>
-                    <a:lstStyle/>
-                    <a:p>
-                      <a:r>
-                        <a:rPr lang="en-CA" dirty="0"/>
-                        <a:t>0</a:t>
-                      </a:r>
-                    </a:p>
-                  </a:txBody>
-                  <a:tcPr/>
-                </a:tc>
-                <a:tc>
-                  <a:txBody>
-                    <a:bodyPr/>
-                    <a:lstStyle/>
-                    <a:p>
-                      <a:r>
-                        <a:rPr lang="en-CA" dirty="0"/>
-                        <a:t>$ 628k</a:t>
-                      </a:r>
-                    </a:p>
-                  </a:txBody>
-                  <a:tcPr/>
-                </a:tc>
-                <a:extLst>
-                  <a:ext uri="{0D108BD9-81ED-4DB2-BD59-A6C34878D82A}">
-                    <a16:rowId xmlns:a16="http://schemas.microsoft.com/office/drawing/2014/main" val="1688163273"/>
-                  </a:ext>
-                </a:extLst>
-              </a:tr>
-            </a:tbl>
-          </a:graphicData>
-        </a:graphic>
-      </p:graphicFrame>
-      <p:sp>
-        <p:nvSpPr>
-          <p:cNvPr id="5" name="TextBox 4">
-            <a:extLst>
-              <a:ext uri="{FF2B5EF4-FFF2-40B4-BE49-F238E27FC236}">
-                <a16:creationId xmlns:a16="http://schemas.microsoft.com/office/drawing/2014/main" id="{6CD456D8-9B94-4494-871F-180A0EFA69AF}"/>
-              </a:ext>
-            </a:extLst>
-          </p:cNvPr>
-          <p:cNvSpPr txBox="1"/>
-          <p:nvPr/>
-        </p:nvSpPr>
-        <p:spPr>
-          <a:xfrm>
-            <a:off x="1457325" y="171450"/>
-            <a:ext cx="1868588" cy="369332"/>
-          </a:xfrm>
-          <a:prstGeom prst="rect">
-            <a:avLst/>
-          </a:prstGeom>
-          <a:noFill/>
-        </p:spPr>
-        <p:txBody>
-          <a:bodyPr wrap="none" rtlCol="0">
-            <a:spAutoFit/>
-          </a:bodyPr>
-          <a:lstStyle/>
-          <a:p>
-            <a:r>
-              <a:rPr lang="en-CA" b="1" dirty="0"/>
-              <a:t>Correlation : -0.33</a:t>
-            </a:r>
-          </a:p>
-        </p:txBody>
-      </p:sp>
-    </p:spTree>
-    <p:extLst>
-      <p:ext uri="{BB962C8B-B14F-4D97-AF65-F5344CB8AC3E}">
-        <p14:creationId xmlns:p14="http://schemas.microsoft.com/office/powerpoint/2010/main" val="2732737065"/>
-      </p:ext>
-    </p:extLst>
-  </p:cSld>
-  <p:clrMapOvr>
-    <a:masterClrMapping/>
-  </p:clrMapOvr>
-</p:sld>
-</file>
-
 <file path=ppt/theme/theme1.xml><?xml version="1.0" encoding="utf-8"?>
 <a:theme xmlns:a="http://schemas.openxmlformats.org/drawingml/2006/main" name="Metropolitan">
   <a:themeElements>

--- a/presentation.pptx
+++ b/presentation.pptx
@@ -11,6 +11,7 @@
     <p:sldId id="257" r:id="rId5"/>
     <p:sldId id="258" r:id="rId6"/>
     <p:sldId id="262" r:id="rId7"/>
+    <p:sldId id="264" r:id="rId8"/>
   </p:sldIdLst>
   <p:sldSz cx="12192000" cy="6858000"/>
   <p:notesSz cx="6858000" cy="9144000"/>
@@ -13771,6 +13772,86 @@
 </p:sld>
 </file>
 
+<file path=ppt/slides/slide7.xml><?xml version="1.0" encoding="utf-8"?>
+<p:sld xmlns:a="http://schemas.openxmlformats.org/drawingml/2006/main" xmlns:r="http://schemas.openxmlformats.org/officeDocument/2006/relationships" xmlns:p="http://schemas.openxmlformats.org/presentationml/2006/main">
+  <p:cSld>
+    <p:spTree>
+      <p:nvGrpSpPr>
+        <p:cNvPr id="1" name=""/>
+        <p:cNvGrpSpPr/>
+        <p:nvPr/>
+      </p:nvGrpSpPr>
+      <p:grpSpPr>
+        <a:xfrm>
+          <a:off x="0" y="0"/>
+          <a:ext cx="0" cy="0"/>
+          <a:chOff x="0" y="0"/>
+          <a:chExt cx="0" cy="0"/>
+        </a:xfrm>
+      </p:grpSpPr>
+      <p:sp>
+        <p:nvSpPr>
+          <p:cNvPr id="2" name="Title 1">
+            <a:extLst>
+              <a:ext uri="{FF2B5EF4-FFF2-40B4-BE49-F238E27FC236}">
+                <a16:creationId xmlns:a16="http://schemas.microsoft.com/office/drawing/2014/main" id="{5C76A772-DBA0-4993-9CCF-750114F7E0BC}"/>
+              </a:ext>
+            </a:extLst>
+          </p:cNvPr>
+          <p:cNvSpPr>
+            <a:spLocks noGrp="1"/>
+          </p:cNvSpPr>
+          <p:nvPr>
+            <p:ph type="title"/>
+          </p:nvPr>
+        </p:nvSpPr>
+        <p:spPr/>
+        <p:txBody>
+          <a:bodyPr/>
+          <a:lstStyle/>
+          <a:p>
+            <a:endParaRPr lang="en-CA"/>
+          </a:p>
+        </p:txBody>
+      </p:sp>
+      <p:sp>
+        <p:nvSpPr>
+          <p:cNvPr id="3" name="Content Placeholder 2">
+            <a:extLst>
+              <a:ext uri="{FF2B5EF4-FFF2-40B4-BE49-F238E27FC236}">
+                <a16:creationId xmlns:a16="http://schemas.microsoft.com/office/drawing/2014/main" id="{C8C73926-C23F-4733-812D-6886D69E0FA9}"/>
+              </a:ext>
+            </a:extLst>
+          </p:cNvPr>
+          <p:cNvSpPr>
+            <a:spLocks noGrp="1"/>
+          </p:cNvSpPr>
+          <p:nvPr>
+            <p:ph idx="1"/>
+          </p:nvPr>
+        </p:nvSpPr>
+        <p:spPr/>
+        <p:txBody>
+          <a:bodyPr/>
+          <a:lstStyle/>
+          <a:p>
+            <a:endParaRPr lang="en-CA"/>
+          </a:p>
+        </p:txBody>
+      </p:sp>
+    </p:spTree>
+    <p:extLst>
+      <p:ext uri="{BB962C8B-B14F-4D97-AF65-F5344CB8AC3E}">
+        <p14:creationId xmlns:p14="http://schemas.microsoft.com/office/powerpoint/2010/main" val="1315624300"/>
+      </p:ext>
+    </p:extLst>
+  </p:cSld>
+  <p:clrMapOvr>
+    <a:masterClrMapping/>
+  </p:clrMapOvr>
+</p:sld>
+</file>
+
 <file path=ppt/theme/theme1.xml><?xml version="1.0" encoding="utf-8"?>
 <a:theme xmlns:a="http://schemas.openxmlformats.org/drawingml/2006/main" name="Metropolitan">
   <a:themeElements>
